--- a/IntroductionLinux/IntroToLinux_Day1_2022.pptx
+++ b/IntroductionLinux/IntroToLinux_Day1_2022.pptx
@@ -5,7 +5,7 @@
     <p:sldMasterId id="2147483668" r:id="rId1"/>
   </p:sldMasterIdLst>
   <p:notesMasterIdLst>
-    <p:notesMasterId r:id="rId35"/>
+    <p:notesMasterId r:id="rId30"/>
   </p:notesMasterIdLst>
   <p:sldIdLst>
     <p:sldId id="256" r:id="rId2"/>
@@ -19,28 +19,23 @@
     <p:sldId id="264" r:id="rId10"/>
     <p:sldId id="265" r:id="rId11"/>
     <p:sldId id="290" r:id="rId12"/>
-    <p:sldId id="313" r:id="rId13"/>
-    <p:sldId id="315" r:id="rId14"/>
-    <p:sldId id="316" r:id="rId15"/>
-    <p:sldId id="318" r:id="rId16"/>
-    <p:sldId id="319" r:id="rId17"/>
-    <p:sldId id="321" r:id="rId18"/>
-    <p:sldId id="308" r:id="rId19"/>
-    <p:sldId id="270" r:id="rId20"/>
-    <p:sldId id="271" r:id="rId21"/>
-    <p:sldId id="276" r:id="rId22"/>
-    <p:sldId id="273" r:id="rId23"/>
-    <p:sldId id="274" r:id="rId24"/>
-    <p:sldId id="291" r:id="rId25"/>
-    <p:sldId id="310" r:id="rId26"/>
-    <p:sldId id="278" r:id="rId27"/>
-    <p:sldId id="279" r:id="rId28"/>
-    <p:sldId id="281" r:id="rId29"/>
-    <p:sldId id="282" r:id="rId30"/>
-    <p:sldId id="300" r:id="rId31"/>
-    <p:sldId id="301" r:id="rId32"/>
-    <p:sldId id="312" r:id="rId33"/>
-    <p:sldId id="307" r:id="rId34"/>
+    <p:sldId id="318" r:id="rId13"/>
+    <p:sldId id="319" r:id="rId14"/>
+    <p:sldId id="321" r:id="rId15"/>
+    <p:sldId id="308" r:id="rId16"/>
+    <p:sldId id="270" r:id="rId17"/>
+    <p:sldId id="271" r:id="rId18"/>
+    <p:sldId id="273" r:id="rId19"/>
+    <p:sldId id="274" r:id="rId20"/>
+    <p:sldId id="310" r:id="rId21"/>
+    <p:sldId id="278" r:id="rId22"/>
+    <p:sldId id="279" r:id="rId23"/>
+    <p:sldId id="281" r:id="rId24"/>
+    <p:sldId id="282" r:id="rId25"/>
+    <p:sldId id="300" r:id="rId26"/>
+    <p:sldId id="301" r:id="rId27"/>
+    <p:sldId id="312" r:id="rId28"/>
+    <p:sldId id="307" r:id="rId29"/>
   </p:sldIdLst>
   <p:sldSz cx="12192000" cy="6858000"/>
   <p:notesSz cx="6858000" cy="9144000"/>
@@ -229,7 +224,7 @@
           <a:p>
             <a:fld id="{09389570-F35F-F944-8303-290CD89D29CB}" type="datetimeFigureOut">
               <a:rPr lang="en-GB" smtClean="0"/>
-              <a:t>06/10/2022</a:t>
+              <a:t>10/10/2022</a:t>
             </a:fld>
             <a:endParaRPr lang="en-GB"/>
           </a:p>
@@ -683,7 +678,7 @@
             <a:fld id="{B61BEF0D-F0BB-DE4B-95CE-6DB70DBA9567}" type="datetimeFigureOut">
               <a:rPr lang="en-US" smtClean="0"/>
               <a:pPr/>
-              <a:t>10/6/22</a:t>
+              <a:t>10/10/22</a:t>
             </a:fld>
             <a:endParaRPr lang="en-US" dirty="0"/>
           </a:p>
@@ -960,7 +955,7 @@
             <a:fld id="{B61BEF0D-F0BB-DE4B-95CE-6DB70DBA9567}" type="datetimeFigureOut">
               <a:rPr lang="en-US" smtClean="0"/>
               <a:pPr/>
-              <a:t>10/6/22</a:t>
+              <a:t>10/10/22</a:t>
             </a:fld>
             <a:endParaRPr lang="en-US" dirty="0"/>
           </a:p>
@@ -1156,7 +1151,7 @@
             <a:fld id="{B61BEF0D-F0BB-DE4B-95CE-6DB70DBA9567}" type="datetimeFigureOut">
               <a:rPr lang="en-US" smtClean="0"/>
               <a:pPr/>
-              <a:t>10/6/22</a:t>
+              <a:t>10/10/22</a:t>
             </a:fld>
             <a:endParaRPr lang="en-US" dirty="0"/>
           </a:p>
@@ -1431,7 +1426,7 @@
             <a:fld id="{B61BEF0D-F0BB-DE4B-95CE-6DB70DBA9567}" type="datetimeFigureOut">
               <a:rPr lang="en-US" smtClean="0"/>
               <a:pPr/>
-              <a:t>10/6/22</a:t>
+              <a:t>10/10/22</a:t>
             </a:fld>
             <a:endParaRPr lang="en-US" dirty="0"/>
           </a:p>
@@ -1774,7 +1769,7 @@
             <a:fld id="{B61BEF0D-F0BB-DE4B-95CE-6DB70DBA9567}" type="datetimeFigureOut">
               <a:rPr lang="en-US" smtClean="0"/>
               <a:pPr/>
-              <a:t>10/6/22</a:t>
+              <a:t>10/10/22</a:t>
             </a:fld>
             <a:endParaRPr lang="en-US" dirty="0"/>
           </a:p>
@@ -2399,7 +2394,7 @@
             <a:fld id="{B61BEF0D-F0BB-DE4B-95CE-6DB70DBA9567}" type="datetimeFigureOut">
               <a:rPr lang="en-US" smtClean="0"/>
               <a:pPr/>
-              <a:t>10/6/22</a:t>
+              <a:t>10/10/22</a:t>
             </a:fld>
             <a:endParaRPr lang="en-US" dirty="0"/>
           </a:p>
@@ -3261,7 +3256,7 @@
             <a:fld id="{B61BEF0D-F0BB-DE4B-95CE-6DB70DBA9567}" type="datetimeFigureOut">
               <a:rPr lang="en-US" smtClean="0"/>
               <a:pPr/>
-              <a:t>10/6/22</a:t>
+              <a:t>10/10/22</a:t>
             </a:fld>
             <a:endParaRPr lang="en-US" dirty="0"/>
           </a:p>
@@ -3433,7 +3428,7 @@
             <a:fld id="{B61BEF0D-F0BB-DE4B-95CE-6DB70DBA9567}" type="datetimeFigureOut">
               <a:rPr lang="en-US" smtClean="0"/>
               <a:pPr/>
-              <a:t>10/6/22</a:t>
+              <a:t>10/10/22</a:t>
             </a:fld>
             <a:endParaRPr lang="en-US" dirty="0"/>
           </a:p>
@@ -3615,7 +3610,7 @@
             <a:fld id="{B61BEF0D-F0BB-DE4B-95CE-6DB70DBA9567}" type="datetimeFigureOut">
               <a:rPr lang="en-US" smtClean="0"/>
               <a:pPr/>
-              <a:t>10/6/22</a:t>
+              <a:t>10/10/22</a:t>
             </a:fld>
             <a:endParaRPr lang="en-US" dirty="0"/>
           </a:p>
@@ -3787,7 +3782,7 @@
             <a:fld id="{B61BEF0D-F0BB-DE4B-95CE-6DB70DBA9567}" type="datetimeFigureOut">
               <a:rPr lang="en-US" smtClean="0"/>
               <a:pPr/>
-              <a:t>10/6/22</a:t>
+              <a:t>10/10/22</a:t>
             </a:fld>
             <a:endParaRPr lang="en-US" dirty="0"/>
           </a:p>
@@ -4036,7 +4031,7 @@
             <a:fld id="{B61BEF0D-F0BB-DE4B-95CE-6DB70DBA9567}" type="datetimeFigureOut">
               <a:rPr lang="en-US" smtClean="0"/>
               <a:pPr/>
-              <a:t>10/6/22</a:t>
+              <a:t>10/10/22</a:t>
             </a:fld>
             <a:endParaRPr lang="en-US" dirty="0"/>
           </a:p>
@@ -4330,7 +4325,7 @@
             <a:fld id="{B61BEF0D-F0BB-DE4B-95CE-6DB70DBA9567}" type="datetimeFigureOut">
               <a:rPr lang="en-US" smtClean="0"/>
               <a:pPr/>
-              <a:t>10/6/22</a:t>
+              <a:t>10/10/22</a:t>
             </a:fld>
             <a:endParaRPr lang="en-US" dirty="0"/>
           </a:p>
@@ -4776,7 +4771,7 @@
             <a:fld id="{B61BEF0D-F0BB-DE4B-95CE-6DB70DBA9567}" type="datetimeFigureOut">
               <a:rPr lang="en-US" smtClean="0"/>
               <a:pPr/>
-              <a:t>10/6/22</a:t>
+              <a:t>10/10/22</a:t>
             </a:fld>
             <a:endParaRPr lang="en-US" dirty="0"/>
           </a:p>
@@ -4896,7 +4891,7 @@
             <a:fld id="{B61BEF0D-F0BB-DE4B-95CE-6DB70DBA9567}" type="datetimeFigureOut">
               <a:rPr lang="en-US" smtClean="0"/>
               <a:pPr/>
-              <a:t>10/6/22</a:t>
+              <a:t>10/10/22</a:t>
             </a:fld>
             <a:endParaRPr lang="en-US" dirty="0"/>
           </a:p>
@@ -4993,7 +4988,7 @@
             <a:fld id="{B61BEF0D-F0BB-DE4B-95CE-6DB70DBA9567}" type="datetimeFigureOut">
               <a:rPr lang="en-US" smtClean="0"/>
               <a:pPr/>
-              <a:t>10/6/22</a:t>
+              <a:t>10/10/22</a:t>
             </a:fld>
             <a:endParaRPr lang="en-US" dirty="0"/>
           </a:p>
@@ -5274,7 +5269,7 @@
             <a:fld id="{B61BEF0D-F0BB-DE4B-95CE-6DB70DBA9567}" type="datetimeFigureOut">
               <a:rPr lang="en-US" smtClean="0"/>
               <a:pPr/>
-              <a:t>10/6/22</a:t>
+              <a:t>10/10/22</a:t>
             </a:fld>
             <a:endParaRPr lang="en-US" dirty="0"/>
           </a:p>
@@ -5551,7 +5546,7 @@
             <a:fld id="{B61BEF0D-F0BB-DE4B-95CE-6DB70DBA9567}" type="datetimeFigureOut">
               <a:rPr lang="en-US" smtClean="0"/>
               <a:pPr/>
-              <a:t>10/6/22</a:t>
+              <a:t>10/10/22</a:t>
             </a:fld>
             <a:endParaRPr lang="en-US" dirty="0"/>
           </a:p>
@@ -5982,7 +5977,7 @@
             <a:fld id="{B61BEF0D-F0BB-DE4B-95CE-6DB70DBA9567}" type="datetimeFigureOut">
               <a:rPr lang="en-US" smtClean="0"/>
               <a:pPr/>
-              <a:t>10/6/22</a:t>
+              <a:t>10/10/22</a:t>
             </a:fld>
             <a:endParaRPr lang="en-US" dirty="0"/>
           </a:p>
@@ -7714,404 +7709,6 @@
             </a:br>
             <a:r>
               <a:rPr lang="en-US" sz="4400" dirty="0"/>
-              <a:t>Generate your SSH Key</a:t>
-            </a:r>
-            <a:endParaRPr lang="en-GB" dirty="0"/>
-          </a:p>
-        </p:txBody>
-      </p:sp>
-    </p:spTree>
-    <p:extLst>
-      <p:ext uri="{BB962C8B-B14F-4D97-AF65-F5344CB8AC3E}">
-        <p14:creationId xmlns:p14="http://schemas.microsoft.com/office/powerpoint/2010/main" val="1249448208"/>
-      </p:ext>
-    </p:extLst>
-  </p:cSld>
-  <p:clrMapOvr>
-    <a:masterClrMapping/>
-  </p:clrMapOvr>
-</p:sld>
-</file>
-
-<file path=ppt/slides/slide13.xml><?xml version="1.0" encoding="utf-8"?>
-<p:sld xmlns:a="http://schemas.openxmlformats.org/drawingml/2006/main" xmlns:r="http://schemas.openxmlformats.org/officeDocument/2006/relationships" xmlns:p="http://schemas.openxmlformats.org/presentationml/2006/main">
-  <p:cSld>
-    <p:spTree>
-      <p:nvGrpSpPr>
-        <p:cNvPr id="1" name=""/>
-        <p:cNvGrpSpPr/>
-        <p:nvPr/>
-      </p:nvGrpSpPr>
-      <p:grpSpPr>
-        <a:xfrm>
-          <a:off x="0" y="0"/>
-          <a:ext cx="0" cy="0"/>
-          <a:chOff x="0" y="0"/>
-          <a:chExt cx="0" cy="0"/>
-        </a:xfrm>
-      </p:grpSpPr>
-      <p:sp>
-        <p:nvSpPr>
-          <p:cNvPr id="2" name="Title 1">
-            <a:extLst>
-              <a:ext uri="{FF2B5EF4-FFF2-40B4-BE49-F238E27FC236}">
-                <a16:creationId xmlns:a16="http://schemas.microsoft.com/office/drawing/2014/main" id="{A2F46CB6-F856-654F-A0F0-B86D1B505FF2}"/>
-              </a:ext>
-            </a:extLst>
-          </p:cNvPr>
-          <p:cNvSpPr>
-            <a:spLocks noGrp="1"/>
-          </p:cNvSpPr>
-          <p:nvPr>
-            <p:ph type="title"/>
-          </p:nvPr>
-        </p:nvSpPr>
-        <p:spPr/>
-        <p:txBody>
-          <a:bodyPr/>
-          <a:lstStyle/>
-          <a:p>
-            <a:r>
-              <a:rPr lang="en-GB" dirty="0"/>
-              <a:t>Generating SSH Key</a:t>
-            </a:r>
-          </a:p>
-        </p:txBody>
-      </p:sp>
-      <p:sp>
-        <p:nvSpPr>
-          <p:cNvPr id="3" name="Content Placeholder 2">
-            <a:extLst>
-              <a:ext uri="{FF2B5EF4-FFF2-40B4-BE49-F238E27FC236}">
-                <a16:creationId xmlns:a16="http://schemas.microsoft.com/office/drawing/2014/main" id="{A6DC997B-3230-0B40-9346-D38AD9CF7506}"/>
-              </a:ext>
-            </a:extLst>
-          </p:cNvPr>
-          <p:cNvSpPr>
-            <a:spLocks noGrp="1"/>
-          </p:cNvSpPr>
-          <p:nvPr>
-            <p:ph idx="1"/>
-          </p:nvPr>
-        </p:nvSpPr>
-        <p:spPr/>
-        <p:txBody>
-          <a:bodyPr>
-            <a:normAutofit/>
-          </a:bodyPr>
-          <a:lstStyle/>
-          <a:p>
-            <a:r>
-              <a:rPr lang="en-GB" dirty="0"/>
-              <a:t>SSH Key is used as replacement of passwords to login to Linux</a:t>
-            </a:r>
-          </a:p>
-          <a:p>
-            <a:r>
-              <a:rPr lang="en-GB" dirty="0"/>
-              <a:t>For accessing Rosalind, we need SSH key!</a:t>
-            </a:r>
-          </a:p>
-          <a:p>
-            <a:r>
-              <a:rPr lang="en-GB" dirty="0"/>
-              <a:t>Generate your SSH Key:</a:t>
-            </a:r>
-          </a:p>
-          <a:p>
-            <a:pPr lvl="1"/>
-            <a:r>
-              <a:rPr lang="en-GB" dirty="0"/>
-              <a:t>Windows 10: </a:t>
-            </a:r>
-            <a:r>
-              <a:rPr lang="en-GB" dirty="0">
-                <a:hlinkClick r:id="rId2"/>
-              </a:rPr>
-              <a:t>https://phoenixnap.com/kb/generate-ssh-key-windows-10</a:t>
-            </a:r>
-            <a:endParaRPr lang="en-GB" dirty="0"/>
-          </a:p>
-          <a:p>
-            <a:pPr lvl="1"/>
-            <a:r>
-              <a:rPr lang="en-GB" dirty="0"/>
-              <a:t>MacOS: </a:t>
-            </a:r>
-            <a:r>
-              <a:rPr lang="en-GB" dirty="0">
-                <a:hlinkClick r:id="rId3"/>
-              </a:rPr>
-              <a:t>https://secure.vexxhost.com/billing/index.php/knowledgebase/171/How-can-I-generate-SSH-keys-on-Mac-OS-X.html</a:t>
-            </a:r>
-            <a:endParaRPr lang="en-GB" dirty="0"/>
-          </a:p>
-          <a:p>
-            <a:r>
-              <a:rPr lang="en-GB" dirty="0"/>
-              <a:t>Find your SSH Public Key:</a:t>
-            </a:r>
-          </a:p>
-          <a:p>
-            <a:pPr lvl="1"/>
-            <a:r>
-              <a:rPr lang="en-GB" dirty="0"/>
-              <a:t>C:\Users\</a:t>
-            </a:r>
-            <a:r>
-              <a:rPr lang="en-GB" dirty="0" err="1"/>
-              <a:t>your_username</a:t>
-            </a:r>
-            <a:r>
-              <a:rPr lang="en-GB" dirty="0"/>
-              <a:t>\.</a:t>
-            </a:r>
-            <a:r>
-              <a:rPr lang="en-GB" dirty="0" err="1"/>
-              <a:t>ssh</a:t>
-            </a:r>
-            <a:r>
-              <a:rPr lang="en-GB" dirty="0"/>
-              <a:t>\</a:t>
-            </a:r>
-            <a:r>
-              <a:rPr lang="en-GB" dirty="0" err="1"/>
-              <a:t>id_rsa.pub</a:t>
-            </a:r>
-            <a:r>
-              <a:rPr lang="en-GB" dirty="0"/>
-              <a:t> (Windows)</a:t>
-            </a:r>
-          </a:p>
-          <a:p>
-            <a:pPr lvl="1"/>
-            <a:r>
-              <a:rPr lang="en-GB" dirty="0"/>
-              <a:t>~/.</a:t>
-            </a:r>
-            <a:r>
-              <a:rPr lang="en-GB" dirty="0" err="1"/>
-              <a:t>ssh</a:t>
-            </a:r>
-            <a:r>
-              <a:rPr lang="en-GB" dirty="0"/>
-              <a:t>/</a:t>
-            </a:r>
-            <a:r>
-              <a:rPr lang="en-GB" dirty="0" err="1"/>
-              <a:t>id_rsa.pub</a:t>
-            </a:r>
-            <a:r>
-              <a:rPr lang="en-GB" dirty="0"/>
-              <a:t> (MacOS)</a:t>
-            </a:r>
-          </a:p>
-        </p:txBody>
-      </p:sp>
-    </p:spTree>
-    <p:extLst>
-      <p:ext uri="{BB962C8B-B14F-4D97-AF65-F5344CB8AC3E}">
-        <p14:creationId xmlns:p14="http://schemas.microsoft.com/office/powerpoint/2010/main" val="998011334"/>
-      </p:ext>
-    </p:extLst>
-  </p:cSld>
-  <p:clrMapOvr>
-    <a:masterClrMapping/>
-  </p:clrMapOvr>
-</p:sld>
-</file>
-
-<file path=ppt/slides/slide14.xml><?xml version="1.0" encoding="utf-8"?>
-<p:sld xmlns:a="http://schemas.openxmlformats.org/drawingml/2006/main" xmlns:r="http://schemas.openxmlformats.org/officeDocument/2006/relationships" xmlns:p="http://schemas.openxmlformats.org/presentationml/2006/main">
-  <p:cSld>
-    <p:spTree>
-      <p:nvGrpSpPr>
-        <p:cNvPr id="1" name=""/>
-        <p:cNvGrpSpPr/>
-        <p:nvPr/>
-      </p:nvGrpSpPr>
-      <p:grpSpPr>
-        <a:xfrm>
-          <a:off x="0" y="0"/>
-          <a:ext cx="0" cy="0"/>
-          <a:chOff x="0" y="0"/>
-          <a:chExt cx="0" cy="0"/>
-        </a:xfrm>
-      </p:grpSpPr>
-      <p:sp>
-        <p:nvSpPr>
-          <p:cNvPr id="2" name="Title 1">
-            <a:extLst>
-              <a:ext uri="{FF2B5EF4-FFF2-40B4-BE49-F238E27FC236}">
-                <a16:creationId xmlns:a16="http://schemas.microsoft.com/office/drawing/2014/main" id="{B01ABD06-5A30-AD46-9E38-C6B9A5F3EB70}"/>
-              </a:ext>
-            </a:extLst>
-          </p:cNvPr>
-          <p:cNvSpPr>
-            <a:spLocks noGrp="1"/>
-          </p:cNvSpPr>
-          <p:nvPr>
-            <p:ph type="title"/>
-          </p:nvPr>
-        </p:nvSpPr>
-        <p:spPr/>
-        <p:txBody>
-          <a:bodyPr/>
-          <a:lstStyle/>
-          <a:p>
-            <a:r>
-              <a:rPr lang="en-GB" dirty="0"/>
-              <a:t>Upload your SSH Public Key</a:t>
-            </a:r>
-          </a:p>
-        </p:txBody>
-      </p:sp>
-      <p:sp>
-        <p:nvSpPr>
-          <p:cNvPr id="3" name="Content Placeholder 2">
-            <a:extLst>
-              <a:ext uri="{FF2B5EF4-FFF2-40B4-BE49-F238E27FC236}">
-                <a16:creationId xmlns:a16="http://schemas.microsoft.com/office/drawing/2014/main" id="{2749CCAC-58C2-914C-B40E-491D70080B32}"/>
-              </a:ext>
-            </a:extLst>
-          </p:cNvPr>
-          <p:cNvSpPr>
-            <a:spLocks noGrp="1"/>
-          </p:cNvSpPr>
-          <p:nvPr>
-            <p:ph idx="1"/>
-          </p:nvPr>
-        </p:nvSpPr>
-        <p:spPr/>
-        <p:txBody>
-          <a:bodyPr/>
-          <a:lstStyle/>
-          <a:p>
-            <a:r>
-              <a:rPr lang="en-GB" dirty="0"/>
-              <a:t>Open your public SSH key with a text editor</a:t>
-            </a:r>
-          </a:p>
-          <a:p>
-            <a:r>
-              <a:rPr lang="en-GB" dirty="0"/>
-              <a:t>Upload your SSH Public Key to google sheet</a:t>
-            </a:r>
-          </a:p>
-          <a:p>
-            <a:pPr lvl="1"/>
-            <a:r>
-              <a:rPr lang="en-GB" dirty="0">
-                <a:hlinkClick r:id="rId2"/>
-              </a:rPr>
-              <a:t>https://docs.google.com/spreadsheets/d/10M3pKjYFvHleAbBbgB97nBk6F527eB3YVAc659L_YzU/edit?usp=sharing</a:t>
-            </a:r>
-            <a:endParaRPr lang="en-GB" dirty="0"/>
-          </a:p>
-          <a:p>
-            <a:r>
-              <a:rPr lang="en-GB" dirty="0"/>
-              <a:t>Your SSH Keys will be forwarded to Rosalind Team so that you will be given an account (Saeed and Myself will take care of this) </a:t>
-            </a:r>
-          </a:p>
-        </p:txBody>
-      </p:sp>
-      <p:pic>
-        <p:nvPicPr>
-          <p:cNvPr id="4" name="Picture 3">
-            <a:extLst>
-              <a:ext uri="{FF2B5EF4-FFF2-40B4-BE49-F238E27FC236}">
-                <a16:creationId xmlns:a16="http://schemas.microsoft.com/office/drawing/2014/main" id="{C141B7FF-8203-6646-B567-5A30C8C4153C}"/>
-              </a:ext>
-            </a:extLst>
-          </p:cNvPr>
-          <p:cNvPicPr>
-            <a:picLocks noChangeAspect="1"/>
-          </p:cNvPicPr>
-          <p:nvPr/>
-        </p:nvPicPr>
-        <p:blipFill>
-          <a:blip r:embed="rId3"/>
-          <a:stretch>
-            <a:fillRect/>
-          </a:stretch>
-        </p:blipFill>
-        <p:spPr>
-          <a:xfrm>
-            <a:off x="2045982" y="4711699"/>
-            <a:ext cx="7061200" cy="1536700"/>
-          </a:xfrm>
-          <a:prstGeom prst="rect">
-            <a:avLst/>
-          </a:prstGeom>
-        </p:spPr>
-      </p:pic>
-    </p:spTree>
-    <p:extLst>
-      <p:ext uri="{BB962C8B-B14F-4D97-AF65-F5344CB8AC3E}">
-        <p14:creationId xmlns:p14="http://schemas.microsoft.com/office/powerpoint/2010/main" val="1540080346"/>
-      </p:ext>
-    </p:extLst>
-  </p:cSld>
-  <p:clrMapOvr>
-    <a:masterClrMapping/>
-  </p:clrMapOvr>
-</p:sld>
-</file>
-
-<file path=ppt/slides/slide15.xml><?xml version="1.0" encoding="utf-8"?>
-<p:sld xmlns:a="http://schemas.openxmlformats.org/drawingml/2006/main" xmlns:r="http://schemas.openxmlformats.org/officeDocument/2006/relationships" xmlns:p="http://schemas.openxmlformats.org/presentationml/2006/main">
-  <p:cSld>
-    <p:spTree>
-      <p:nvGrpSpPr>
-        <p:cNvPr id="1" name=""/>
-        <p:cNvGrpSpPr/>
-        <p:nvPr/>
-      </p:nvGrpSpPr>
-      <p:grpSpPr>
-        <a:xfrm>
-          <a:off x="0" y="0"/>
-          <a:ext cx="0" cy="0"/>
-          <a:chOff x="0" y="0"/>
-          <a:chExt cx="0" cy="0"/>
-        </a:xfrm>
-      </p:grpSpPr>
-      <p:sp>
-        <p:nvSpPr>
-          <p:cNvPr id="4" name="Title 3">
-            <a:extLst>
-              <a:ext uri="{FF2B5EF4-FFF2-40B4-BE49-F238E27FC236}">
-                <a16:creationId xmlns:a16="http://schemas.microsoft.com/office/drawing/2014/main" id="{06177A8B-C45E-9549-B717-5D5DCCA310AE}"/>
-              </a:ext>
-            </a:extLst>
-          </p:cNvPr>
-          <p:cNvSpPr>
-            <a:spLocks noGrp="1"/>
-          </p:cNvSpPr>
-          <p:nvPr>
-            <p:ph type="title"/>
-          </p:nvPr>
-        </p:nvSpPr>
-        <p:spPr>
-          <a:xfrm>
-            <a:off x="646111" y="2973496"/>
-            <a:ext cx="9404723" cy="1400530"/>
-          </a:xfrm>
-        </p:spPr>
-        <p:txBody>
-          <a:bodyPr/>
-          <a:lstStyle/>
-          <a:p>
-            <a:pPr algn="ctr"/>
-            <a:r>
-              <a:rPr lang="en-US" sz="4400" dirty="0"/>
-              <a:t>Pre-Workshop:</a:t>
-            </a:r>
-            <a:br>
-              <a:rPr lang="en-US" sz="4400" dirty="0"/>
-            </a:br>
-            <a:r>
-              <a:rPr lang="en-US" sz="4400" dirty="0"/>
               <a:t>Register to </a:t>
             </a:r>
             <a:r>
@@ -8135,7 +7732,7 @@
 </p:sld>
 </file>
 
-<file path=ppt/slides/slide16.xml><?xml version="1.0" encoding="utf-8"?>
+<file path=ppt/slides/slide13.xml><?xml version="1.0" encoding="utf-8"?>
 <p:sld xmlns:a="http://schemas.openxmlformats.org/drawingml/2006/main" xmlns:r="http://schemas.openxmlformats.org/officeDocument/2006/relationships" xmlns:p="http://schemas.openxmlformats.org/presentationml/2006/main">
   <p:cSld>
     <p:spTree>
@@ -8338,7 +7935,7 @@
 </p:sld>
 </file>
 
-<file path=ppt/slides/slide17.xml><?xml version="1.0" encoding="utf-8"?>
+<file path=ppt/slides/slide14.xml><?xml version="1.0" encoding="utf-8"?>
 <p:sld xmlns:a="http://schemas.openxmlformats.org/drawingml/2006/main" xmlns:r="http://schemas.openxmlformats.org/officeDocument/2006/relationships" xmlns:p="http://schemas.openxmlformats.org/presentationml/2006/main" show="0">
   <p:cSld>
     <p:spTree>
@@ -8429,7 +8026,7 @@
 </p:sld>
 </file>
 
-<file path=ppt/slides/slide18.xml><?xml version="1.0" encoding="utf-8"?>
+<file path=ppt/slides/slide15.xml><?xml version="1.0" encoding="utf-8"?>
 <p:sld xmlns:a="http://schemas.openxmlformats.org/drawingml/2006/main" xmlns:r="http://schemas.openxmlformats.org/officeDocument/2006/relationships" xmlns:p="http://schemas.openxmlformats.org/presentationml/2006/main">
   <p:cSld>
     <p:spTree>
@@ -8505,7 +8102,7 @@
 </p:sld>
 </file>
 
-<file path=ppt/slides/slide19.xml><?xml version="1.0" encoding="utf-8"?>
+<file path=ppt/slides/slide16.xml><?xml version="1.0" encoding="utf-8"?>
 <p:sld xmlns:a="http://schemas.openxmlformats.org/drawingml/2006/main" xmlns:r="http://schemas.openxmlformats.org/officeDocument/2006/relationships" xmlns:p="http://schemas.openxmlformats.org/presentationml/2006/main">
   <p:cSld>
     <p:spTree>
@@ -8787,6 +8384,513 @@
 </p:sld>
 </file>
 
+<file path=ppt/slides/slide17.xml><?xml version="1.0" encoding="utf-8"?>
+<p:sld xmlns:a="http://schemas.openxmlformats.org/drawingml/2006/main" xmlns:r="http://schemas.openxmlformats.org/officeDocument/2006/relationships" xmlns:p="http://schemas.openxmlformats.org/presentationml/2006/main">
+  <p:cSld>
+    <p:spTree>
+      <p:nvGrpSpPr>
+        <p:cNvPr id="1" name=""/>
+        <p:cNvGrpSpPr/>
+        <p:nvPr/>
+      </p:nvGrpSpPr>
+      <p:grpSpPr>
+        <a:xfrm>
+          <a:off x="0" y="0"/>
+          <a:ext cx="0" cy="0"/>
+          <a:chOff x="0" y="0"/>
+          <a:chExt cx="0" cy="0"/>
+        </a:xfrm>
+      </p:grpSpPr>
+      <p:sp>
+        <p:nvSpPr>
+          <p:cNvPr id="2" name="Title 1">
+            <a:extLst>
+              <a:ext uri="{FF2B5EF4-FFF2-40B4-BE49-F238E27FC236}">
+                <a16:creationId xmlns:a16="http://schemas.microsoft.com/office/drawing/2014/main" id="{BBF3D3FF-EA38-4208-B5B4-C02AE43CB6D9}"/>
+              </a:ext>
+            </a:extLst>
+          </p:cNvPr>
+          <p:cNvSpPr>
+            <a:spLocks noGrp="1"/>
+          </p:cNvSpPr>
+          <p:nvPr>
+            <p:ph type="title"/>
+          </p:nvPr>
+        </p:nvSpPr>
+        <p:spPr/>
+        <p:txBody>
+          <a:bodyPr/>
+          <a:lstStyle/>
+          <a:p>
+            <a:r>
+              <a:rPr lang="en-US" dirty="0"/>
+              <a:t>List files and directories</a:t>
+            </a:r>
+          </a:p>
+        </p:txBody>
+      </p:sp>
+      <p:sp>
+        <p:nvSpPr>
+          <p:cNvPr id="3" name="Content Placeholder 2">
+            <a:extLst>
+              <a:ext uri="{FF2B5EF4-FFF2-40B4-BE49-F238E27FC236}">
+                <a16:creationId xmlns:a16="http://schemas.microsoft.com/office/drawing/2014/main" id="{3E55E044-032E-45E2-B9FA-987878AC59B1}"/>
+              </a:ext>
+            </a:extLst>
+          </p:cNvPr>
+          <p:cNvSpPr>
+            <a:spLocks noGrp="1"/>
+          </p:cNvSpPr>
+          <p:nvPr>
+            <p:ph idx="1"/>
+          </p:nvPr>
+        </p:nvSpPr>
+        <p:spPr>
+          <a:xfrm>
+            <a:off x="838200" y="1809583"/>
+            <a:ext cx="10515600" cy="4351338"/>
+          </a:xfrm>
+        </p:spPr>
+        <p:txBody>
+          <a:bodyPr>
+            <a:normAutofit/>
+          </a:bodyPr>
+          <a:lstStyle/>
+          <a:p>
+            <a:r>
+              <a:rPr lang="en-US" dirty="0"/>
+              <a:t>Answers:</a:t>
+            </a:r>
+          </a:p>
+          <a:p>
+            <a:pPr lvl="1"/>
+            <a:r>
+              <a:rPr lang="en-US" dirty="0"/>
+              <a:t>touch test_file_1 test_file_2 </a:t>
+            </a:r>
+            <a:r>
+              <a:rPr lang="en-US" dirty="0">
+                <a:sym typeface="Wingdings" panose="05000000000000000000" pitchFamily="2" charset="2"/>
+              </a:rPr>
+              <a:t> creating two empty files </a:t>
+            </a:r>
+            <a:endParaRPr lang="en-US" dirty="0"/>
+          </a:p>
+          <a:p>
+            <a:pPr lvl="1"/>
+            <a:r>
+              <a:rPr lang="en-US" dirty="0"/>
+              <a:t>ls </a:t>
+            </a:r>
+            <a:r>
+              <a:rPr lang="en-US" dirty="0">
+                <a:sym typeface="Wingdings" panose="05000000000000000000" pitchFamily="2" charset="2"/>
+              </a:rPr>
+              <a:t> simply showing files in this directory</a:t>
+            </a:r>
+          </a:p>
+          <a:p>
+            <a:pPr lvl="1"/>
+            <a:r>
+              <a:rPr lang="en-US" dirty="0">
+                <a:sym typeface="Wingdings" panose="05000000000000000000" pitchFamily="2" charset="2"/>
+              </a:rPr>
+              <a:t>ls -a  showing all files, including hidden files</a:t>
+            </a:r>
+          </a:p>
+          <a:p>
+            <a:pPr lvl="1"/>
+            <a:r>
+              <a:rPr lang="en-US" dirty="0"/>
+              <a:t>ls -alt </a:t>
+            </a:r>
+            <a:r>
+              <a:rPr lang="en-US" dirty="0">
+                <a:sym typeface="Wingdings" panose="05000000000000000000" pitchFamily="2" charset="2"/>
+              </a:rPr>
+              <a:t> sorting files by modification time</a:t>
+            </a:r>
+          </a:p>
+          <a:p>
+            <a:pPr lvl="1"/>
+            <a:r>
+              <a:rPr lang="en-US" dirty="0"/>
+              <a:t>ls -</a:t>
+            </a:r>
+            <a:r>
+              <a:rPr lang="en-US" dirty="0" err="1"/>
+              <a:t>alth</a:t>
+            </a:r>
+            <a:r>
+              <a:rPr lang="en-US" dirty="0"/>
+              <a:t> </a:t>
+            </a:r>
+            <a:r>
+              <a:rPr lang="en-US" dirty="0">
+                <a:sym typeface="Wingdings" panose="05000000000000000000" pitchFamily="2" charset="2"/>
+              </a:rPr>
+              <a:t> sorting files by modification time and showing file size by readable format</a:t>
+            </a:r>
+            <a:endParaRPr lang="en-US" dirty="0"/>
+          </a:p>
+        </p:txBody>
+      </p:sp>
+    </p:spTree>
+    <p:extLst>
+      <p:ext uri="{BB962C8B-B14F-4D97-AF65-F5344CB8AC3E}">
+        <p14:creationId xmlns:p14="http://schemas.microsoft.com/office/powerpoint/2010/main" val="2523674906"/>
+      </p:ext>
+    </p:extLst>
+  </p:cSld>
+  <p:clrMapOvr>
+    <a:masterClrMapping/>
+  </p:clrMapOvr>
+</p:sld>
+</file>
+
+<file path=ppt/slides/slide18.xml><?xml version="1.0" encoding="utf-8"?>
+<p:sld xmlns:a="http://schemas.openxmlformats.org/drawingml/2006/main" xmlns:r="http://schemas.openxmlformats.org/officeDocument/2006/relationships" xmlns:p="http://schemas.openxmlformats.org/presentationml/2006/main">
+  <p:cSld>
+    <p:spTree>
+      <p:nvGrpSpPr>
+        <p:cNvPr id="1" name=""/>
+        <p:cNvGrpSpPr/>
+        <p:nvPr/>
+      </p:nvGrpSpPr>
+      <p:grpSpPr>
+        <a:xfrm>
+          <a:off x="0" y="0"/>
+          <a:ext cx="0" cy="0"/>
+          <a:chOff x="0" y="0"/>
+          <a:chExt cx="0" cy="0"/>
+        </a:xfrm>
+      </p:grpSpPr>
+      <p:sp>
+        <p:nvSpPr>
+          <p:cNvPr id="2" name="Title 1">
+            <a:extLst>
+              <a:ext uri="{FF2B5EF4-FFF2-40B4-BE49-F238E27FC236}">
+                <a16:creationId xmlns:a16="http://schemas.microsoft.com/office/drawing/2014/main" id="{1A2C2CB0-A6AC-43EE-AC1D-BDEBC9832BC5}"/>
+              </a:ext>
+            </a:extLst>
+          </p:cNvPr>
+          <p:cNvSpPr>
+            <a:spLocks noGrp="1"/>
+          </p:cNvSpPr>
+          <p:nvPr>
+            <p:ph type="title"/>
+          </p:nvPr>
+        </p:nvSpPr>
+        <p:spPr/>
+        <p:txBody>
+          <a:bodyPr/>
+          <a:lstStyle/>
+          <a:p>
+            <a:r>
+              <a:rPr lang="en-US" dirty="0"/>
+              <a:t>Making and deleting directories</a:t>
+            </a:r>
+          </a:p>
+        </p:txBody>
+      </p:sp>
+      <p:sp>
+        <p:nvSpPr>
+          <p:cNvPr id="3" name="Content Placeholder 2">
+            <a:extLst>
+              <a:ext uri="{FF2B5EF4-FFF2-40B4-BE49-F238E27FC236}">
+                <a16:creationId xmlns:a16="http://schemas.microsoft.com/office/drawing/2014/main" id="{CC7B5E14-5E2F-4D2C-AC20-D691B39BD724}"/>
+              </a:ext>
+            </a:extLst>
+          </p:cNvPr>
+          <p:cNvSpPr>
+            <a:spLocks noGrp="1"/>
+          </p:cNvSpPr>
+          <p:nvPr>
+            <p:ph idx="1"/>
+          </p:nvPr>
+        </p:nvSpPr>
+        <p:spPr/>
+        <p:txBody>
+          <a:bodyPr/>
+          <a:lstStyle/>
+          <a:p>
+            <a:r>
+              <a:rPr lang="en-US" dirty="0" err="1"/>
+              <a:t>mkdir</a:t>
+            </a:r>
+            <a:r>
+              <a:rPr lang="en-US" dirty="0"/>
+              <a:t> (</a:t>
+            </a:r>
+            <a:r>
+              <a:rPr lang="en-US" dirty="0" err="1"/>
+              <a:t>your_directory</a:t>
+            </a:r>
+            <a:r>
+              <a:rPr lang="en-US" dirty="0"/>
+              <a:t>)</a:t>
+            </a:r>
+          </a:p>
+          <a:p>
+            <a:pPr lvl="1"/>
+            <a:r>
+              <a:rPr lang="en-US" dirty="0"/>
+              <a:t>check if your directory is created: </a:t>
+            </a:r>
+            <a:r>
+              <a:rPr lang="en-US" b="1" dirty="0"/>
+              <a:t>ls </a:t>
+            </a:r>
+            <a:r>
+              <a:rPr lang="en-US" dirty="0"/>
+              <a:t>command</a:t>
+            </a:r>
+          </a:p>
+          <a:p>
+            <a:endParaRPr lang="en-US" dirty="0"/>
+          </a:p>
+          <a:p>
+            <a:r>
+              <a:rPr lang="en-US" dirty="0" err="1"/>
+              <a:t>rmdir</a:t>
+            </a:r>
+            <a:r>
+              <a:rPr lang="en-US" dirty="0"/>
+              <a:t> (</a:t>
+            </a:r>
+            <a:r>
+              <a:rPr lang="en-US" dirty="0" err="1"/>
+              <a:t>your_directory</a:t>
+            </a:r>
+            <a:r>
+              <a:rPr lang="en-US" dirty="0"/>
+              <a:t>)</a:t>
+            </a:r>
+          </a:p>
+          <a:p>
+            <a:pPr lvl="1"/>
+            <a:r>
+              <a:rPr lang="en-US" dirty="0"/>
+              <a:t>check if your directory is deleted: </a:t>
+            </a:r>
+            <a:r>
+              <a:rPr lang="en-US" b="1" dirty="0"/>
+              <a:t>ls </a:t>
+            </a:r>
+            <a:r>
+              <a:rPr lang="en-US" dirty="0"/>
+              <a:t>command</a:t>
+            </a:r>
+          </a:p>
+          <a:p>
+            <a:endParaRPr lang="en-US" dirty="0"/>
+          </a:p>
+        </p:txBody>
+      </p:sp>
+    </p:spTree>
+    <p:extLst>
+      <p:ext uri="{BB962C8B-B14F-4D97-AF65-F5344CB8AC3E}">
+        <p14:creationId xmlns:p14="http://schemas.microsoft.com/office/powerpoint/2010/main" val="2078342418"/>
+      </p:ext>
+    </p:extLst>
+  </p:cSld>
+  <p:clrMapOvr>
+    <a:masterClrMapping/>
+  </p:clrMapOvr>
+</p:sld>
+</file>
+
+<file path=ppt/slides/slide19.xml><?xml version="1.0" encoding="utf-8"?>
+<p:sld xmlns:a="http://schemas.openxmlformats.org/drawingml/2006/main" xmlns:r="http://schemas.openxmlformats.org/officeDocument/2006/relationships" xmlns:p="http://schemas.openxmlformats.org/presentationml/2006/main">
+  <p:cSld>
+    <p:spTree>
+      <p:nvGrpSpPr>
+        <p:cNvPr id="1" name=""/>
+        <p:cNvGrpSpPr/>
+        <p:nvPr/>
+      </p:nvGrpSpPr>
+      <p:grpSpPr>
+        <a:xfrm>
+          <a:off x="0" y="0"/>
+          <a:ext cx="0" cy="0"/>
+          <a:chOff x="0" y="0"/>
+          <a:chExt cx="0" cy="0"/>
+        </a:xfrm>
+      </p:grpSpPr>
+      <p:sp>
+        <p:nvSpPr>
+          <p:cNvPr id="2" name="Title 1">
+            <a:extLst>
+              <a:ext uri="{FF2B5EF4-FFF2-40B4-BE49-F238E27FC236}">
+                <a16:creationId xmlns:a16="http://schemas.microsoft.com/office/drawing/2014/main" id="{1A2C2CB0-A6AC-43EE-AC1D-BDEBC9832BC5}"/>
+              </a:ext>
+            </a:extLst>
+          </p:cNvPr>
+          <p:cNvSpPr>
+            <a:spLocks noGrp="1"/>
+          </p:cNvSpPr>
+          <p:nvPr>
+            <p:ph type="title"/>
+          </p:nvPr>
+        </p:nvSpPr>
+        <p:spPr/>
+        <p:txBody>
+          <a:bodyPr/>
+          <a:lstStyle/>
+          <a:p>
+            <a:r>
+              <a:rPr lang="en-US" dirty="0"/>
+              <a:t>Changing to a different directory</a:t>
+            </a:r>
+          </a:p>
+        </p:txBody>
+      </p:sp>
+      <p:sp>
+        <p:nvSpPr>
+          <p:cNvPr id="3" name="Content Placeholder 2">
+            <a:extLst>
+              <a:ext uri="{FF2B5EF4-FFF2-40B4-BE49-F238E27FC236}">
+                <a16:creationId xmlns:a16="http://schemas.microsoft.com/office/drawing/2014/main" id="{CC7B5E14-5E2F-4D2C-AC20-D691B39BD724}"/>
+              </a:ext>
+            </a:extLst>
+          </p:cNvPr>
+          <p:cNvSpPr>
+            <a:spLocks noGrp="1"/>
+          </p:cNvSpPr>
+          <p:nvPr>
+            <p:ph idx="1"/>
+          </p:nvPr>
+        </p:nvSpPr>
+        <p:spPr/>
+        <p:txBody>
+          <a:bodyPr>
+            <a:normAutofit fontScale="92500" lnSpcReduction="20000"/>
+          </a:bodyPr>
+          <a:lstStyle/>
+          <a:p>
+            <a:r>
+              <a:rPr lang="en-US" dirty="0"/>
+              <a:t>Go to </a:t>
+            </a:r>
+            <a:r>
+              <a:rPr lang="en-US" dirty="0" err="1"/>
+              <a:t>your_directory</a:t>
+            </a:r>
+            <a:endParaRPr lang="en-US" dirty="0"/>
+          </a:p>
+          <a:p>
+            <a:pPr lvl="1"/>
+            <a:r>
+              <a:rPr lang="en-US" dirty="0"/>
+              <a:t>cd (</a:t>
+            </a:r>
+            <a:r>
+              <a:rPr lang="en-US" dirty="0" err="1"/>
+              <a:t>your_directory</a:t>
+            </a:r>
+            <a:r>
+              <a:rPr lang="en-US" dirty="0"/>
+              <a:t>)</a:t>
+            </a:r>
+          </a:p>
+          <a:p>
+            <a:r>
+              <a:rPr lang="en-US" dirty="0"/>
+              <a:t>Go to parent directory</a:t>
+            </a:r>
+          </a:p>
+          <a:p>
+            <a:pPr lvl="1"/>
+            <a:r>
+              <a:rPr lang="en-US" dirty="0"/>
+              <a:t>cd .. </a:t>
+            </a:r>
+          </a:p>
+          <a:p>
+            <a:r>
+              <a:rPr lang="en-US" dirty="0"/>
+              <a:t>Go to previous directory</a:t>
+            </a:r>
+          </a:p>
+          <a:p>
+            <a:pPr lvl="1"/>
+            <a:r>
+              <a:rPr lang="en-US" dirty="0"/>
+              <a:t>cd -</a:t>
+            </a:r>
+          </a:p>
+          <a:p>
+            <a:r>
+              <a:rPr lang="en-US" dirty="0"/>
+              <a:t>Go to specific directory</a:t>
+            </a:r>
+          </a:p>
+          <a:p>
+            <a:pPr lvl="1"/>
+            <a:r>
+              <a:rPr lang="en-US" dirty="0"/>
+              <a:t>cd (</a:t>
+            </a:r>
+            <a:r>
+              <a:rPr lang="en-US" dirty="0" err="1"/>
+              <a:t>full_path_of_directory</a:t>
+            </a:r>
+            <a:r>
+              <a:rPr lang="en-US" dirty="0"/>
+              <a:t>)</a:t>
+            </a:r>
+          </a:p>
+          <a:p>
+            <a:pPr lvl="1"/>
+            <a:r>
+              <a:rPr lang="en-US" dirty="0"/>
+              <a:t>cd /users/</a:t>
+            </a:r>
+            <a:r>
+              <a:rPr lang="en-US" dirty="0" err="1"/>
+              <a:t>kXXXX</a:t>
+            </a:r>
+            <a:r>
+              <a:rPr lang="en-US" dirty="0"/>
+              <a:t>/test</a:t>
+            </a:r>
+          </a:p>
+          <a:p>
+            <a:pPr lvl="1"/>
+            <a:r>
+              <a:rPr lang="en-US" dirty="0"/>
+              <a:t>cd -</a:t>
+            </a:r>
+          </a:p>
+          <a:p>
+            <a:r>
+              <a:rPr lang="en-US" dirty="0"/>
+              <a:t>Find path of your current directory</a:t>
+            </a:r>
+          </a:p>
+          <a:p>
+            <a:pPr lvl="1"/>
+            <a:r>
+              <a:rPr lang="en-US" dirty="0" err="1"/>
+              <a:t>pwd</a:t>
+            </a:r>
+            <a:endParaRPr lang="en-US" dirty="0"/>
+          </a:p>
+        </p:txBody>
+      </p:sp>
+    </p:spTree>
+    <p:extLst>
+      <p:ext uri="{BB962C8B-B14F-4D97-AF65-F5344CB8AC3E}">
+        <p14:creationId xmlns:p14="http://schemas.microsoft.com/office/powerpoint/2010/main" val="2510805348"/>
+      </p:ext>
+    </p:extLst>
+  </p:cSld>
+  <p:clrMapOvr>
+    <a:masterClrMapping/>
+  </p:clrMapOvr>
+</p:sld>
+</file>
+
 <file path=ppt/slides/slide2.xml><?xml version="1.0" encoding="utf-8"?>
 <p:sld xmlns:a="http://schemas.openxmlformats.org/drawingml/2006/main" xmlns:r="http://schemas.openxmlformats.org/officeDocument/2006/relationships" xmlns:p="http://schemas.openxmlformats.org/presentationml/2006/main">
   <p:cSld>
@@ -8871,8 +8975,13 @@
             <a:pPr lvl="1"/>
             <a:r>
               <a:rPr lang="en-GB" dirty="0"/>
-              <a:t>Generating SSH Key</a:t>
-            </a:r>
+              <a:t>Register to </a:t>
+            </a:r>
+            <a:r>
+              <a:rPr lang="en-GB" dirty="0" err="1"/>
+              <a:t>Webminal</a:t>
+            </a:r>
+            <a:endParaRPr lang="en-GB" dirty="0"/>
           </a:p>
           <a:p>
             <a:pPr lvl="1"/>
@@ -8960,7 +9069,7 @@
           <p:cNvPr id="2" name="Title 1">
             <a:extLst>
               <a:ext uri="{FF2B5EF4-FFF2-40B4-BE49-F238E27FC236}">
-                <a16:creationId xmlns:a16="http://schemas.microsoft.com/office/drawing/2014/main" id="{BBF3D3FF-EA38-4208-B5B4-C02AE43CB6D9}"/>
+                <a16:creationId xmlns:a16="http://schemas.microsoft.com/office/drawing/2014/main" id="{D57C865D-672E-D04E-87F1-9F89099460EC}"/>
               </a:ext>
             </a:extLst>
           </p:cNvPr>
@@ -8978,17 +9087,26 @@
           <a:p>
             <a:r>
               <a:rPr lang="en-US" dirty="0"/>
-              <a:t>List files and directories</a:t>
-            </a:r>
-          </a:p>
-        </p:txBody>
-      </p:sp>
-      <p:sp>
-        <p:nvSpPr>
-          <p:cNvPr id="3" name="Content Placeholder 2">
+              <a:t>2</a:t>
+            </a:r>
+            <a:r>
+              <a:rPr lang="en-US" baseline="30000" dirty="0"/>
+              <a:t>nd</a:t>
+            </a:r>
+            <a:r>
+              <a:rPr lang="en-US" dirty="0"/>
+              <a:t> Exercise: how to control your files/directories</a:t>
+            </a:r>
+            <a:endParaRPr lang="en-GB" dirty="0"/>
+          </a:p>
+        </p:txBody>
+      </p:sp>
+      <p:sp>
+        <p:nvSpPr>
+          <p:cNvPr id="3" name="Text Placeholder 2">
             <a:extLst>
               <a:ext uri="{FF2B5EF4-FFF2-40B4-BE49-F238E27FC236}">
-                <a16:creationId xmlns:a16="http://schemas.microsoft.com/office/drawing/2014/main" id="{3E55E044-032E-45E2-B9FA-987878AC59B1}"/>
+                <a16:creationId xmlns:a16="http://schemas.microsoft.com/office/drawing/2014/main" id="{B7B1DE01-B24F-3D46-938B-04023D7FC0E1}"/>
               </a:ext>
             </a:extLst>
           </p:cNvPr>
@@ -8996,103 +9114,22 @@
             <a:spLocks noGrp="1"/>
           </p:cNvSpPr>
           <p:nvPr>
-            <p:ph idx="1"/>
-          </p:nvPr>
-        </p:nvSpPr>
-        <p:spPr>
-          <a:xfrm>
-            <a:off x="838200" y="1809583"/>
-            <a:ext cx="10515600" cy="4351338"/>
-          </a:xfrm>
-        </p:spPr>
-        <p:txBody>
-          <a:bodyPr>
-            <a:normAutofit/>
-          </a:bodyPr>
+            <p:ph type="body" idx="1"/>
+          </p:nvPr>
+        </p:nvSpPr>
+        <p:spPr/>
+        <p:txBody>
+          <a:bodyPr/>
           <a:lstStyle/>
           <a:p>
-            <a:r>
-              <a:rPr lang="en-US" dirty="0"/>
-              <a:t>Answers:</a:t>
-            </a:r>
-          </a:p>
-          <a:p>
-            <a:pPr lvl="1"/>
-            <a:r>
-              <a:rPr lang="en-US" dirty="0"/>
-              <a:t>touch test_file_1 test_file_2 </a:t>
-            </a:r>
-            <a:r>
-              <a:rPr lang="en-US" dirty="0">
-                <a:sym typeface="Wingdings" panose="05000000000000000000" pitchFamily="2" charset="2"/>
-              </a:rPr>
-              <a:t> creating two empty files </a:t>
-            </a:r>
-            <a:endParaRPr lang="en-US" dirty="0"/>
-          </a:p>
-          <a:p>
-            <a:pPr lvl="1"/>
-            <a:r>
-              <a:rPr lang="en-US" dirty="0"/>
-              <a:t>ls </a:t>
-            </a:r>
-            <a:r>
-              <a:rPr lang="en-US" dirty="0">
-                <a:sym typeface="Wingdings" panose="05000000000000000000" pitchFamily="2" charset="2"/>
-              </a:rPr>
-              <a:t> simply showing files in this directory</a:t>
-            </a:r>
-          </a:p>
-          <a:p>
-            <a:pPr lvl="1"/>
-            <a:r>
-              <a:rPr lang="en-US" dirty="0">
-                <a:sym typeface="Wingdings" panose="05000000000000000000" pitchFamily="2" charset="2"/>
-              </a:rPr>
-              <a:t>ls -a  showing all files, including hidden files</a:t>
-            </a:r>
-          </a:p>
-          <a:p>
-            <a:pPr lvl="1"/>
-            <a:r>
-              <a:rPr lang="en-US" dirty="0"/>
-              <a:t>ls -alt </a:t>
-            </a:r>
-            <a:r>
-              <a:rPr lang="en-US" dirty="0">
-                <a:sym typeface="Wingdings" panose="05000000000000000000" pitchFamily="2" charset="2"/>
-              </a:rPr>
-              <a:t> sorting files by modification time</a:t>
-            </a:r>
-          </a:p>
-          <a:p>
-            <a:pPr lvl="1"/>
-            <a:r>
-              <a:rPr lang="en-US" dirty="0"/>
-              <a:t>ls -</a:t>
-            </a:r>
-            <a:r>
-              <a:rPr lang="en-US" dirty="0" err="1"/>
-              <a:t>alth</a:t>
-            </a:r>
-            <a:r>
-              <a:rPr lang="en-US" dirty="0"/>
-              <a:t> </a:t>
-            </a:r>
-            <a:r>
-              <a:rPr lang="en-US" dirty="0">
-                <a:sym typeface="Wingdings" panose="05000000000000000000" pitchFamily="2" charset="2"/>
-              </a:rPr>
-              <a:t> sorting files by modification time and showing file size by readable format</a:t>
-            </a:r>
-            <a:endParaRPr lang="en-US" dirty="0"/>
+            <a:endParaRPr lang="en-GB"/>
           </a:p>
         </p:txBody>
       </p:sp>
     </p:spTree>
     <p:extLst>
       <p:ext uri="{BB962C8B-B14F-4D97-AF65-F5344CB8AC3E}">
-        <p14:creationId xmlns:p14="http://schemas.microsoft.com/office/powerpoint/2010/main" val="2523674906"/>
+        <p14:creationId xmlns:p14="http://schemas.microsoft.com/office/powerpoint/2010/main" val="2912341423"/>
       </p:ext>
     </p:extLst>
   </p:cSld>
@@ -9119,427 +9156,194 @@
           <a:chExt cx="0" cy="0"/>
         </a:xfrm>
       </p:grpSpPr>
-      <p:pic>
-        <p:nvPicPr>
-          <p:cNvPr id="4" name="Content Placeholder 3">
+      <p:sp>
+        <p:nvSpPr>
+          <p:cNvPr id="2" name="Title 1">
             <a:extLst>
               <a:ext uri="{FF2B5EF4-FFF2-40B4-BE49-F238E27FC236}">
-                <a16:creationId xmlns:a16="http://schemas.microsoft.com/office/drawing/2014/main" id="{C0831FB5-1148-4C08-A65E-7BFFB2B89CEA}"/>
+                <a16:creationId xmlns:a16="http://schemas.microsoft.com/office/drawing/2014/main" id="{1A2C2CB0-A6AC-43EE-AC1D-BDEBC9832BC5}"/>
               </a:ext>
             </a:extLst>
           </p:cNvPr>
-          <p:cNvPicPr>
-            <a:picLocks noGrp="1" noChangeAspect="1"/>
-          </p:cNvPicPr>
-          <p:nvPr>
-            <p:ph idx="1"/>
-          </p:nvPr>
-        </p:nvPicPr>
-        <p:blipFill>
-          <a:blip r:embed="rId2"/>
-          <a:stretch>
-            <a:fillRect/>
-          </a:stretch>
-        </p:blipFill>
-        <p:spPr>
-          <a:xfrm>
-            <a:off x="741925" y="1432113"/>
-            <a:ext cx="10206311" cy="3993774"/>
-          </a:xfrm>
-          <a:prstGeom prst="rect">
-            <a:avLst/>
-          </a:prstGeom>
-        </p:spPr>
-      </p:pic>
-      <p:sp>
-        <p:nvSpPr>
-          <p:cNvPr id="5" name="TextBox 4">
+          <p:cNvSpPr>
+            <a:spLocks noGrp="1"/>
+          </p:cNvSpPr>
+          <p:nvPr>
+            <p:ph type="title"/>
+          </p:nvPr>
+        </p:nvSpPr>
+        <p:spPr/>
+        <p:txBody>
+          <a:bodyPr/>
+          <a:lstStyle/>
+          <a:p>
+            <a:r>
+              <a:rPr lang="en-US" dirty="0"/>
+              <a:t>Copying and moving files/directories</a:t>
+            </a:r>
+          </a:p>
+        </p:txBody>
+      </p:sp>
+      <p:sp>
+        <p:nvSpPr>
+          <p:cNvPr id="3" name="Content Placeholder 2">
             <a:extLst>
               <a:ext uri="{FF2B5EF4-FFF2-40B4-BE49-F238E27FC236}">
-                <a16:creationId xmlns:a16="http://schemas.microsoft.com/office/drawing/2014/main" id="{2F09195B-BFBB-41CC-BCF9-CFE78F28239A}"/>
+                <a16:creationId xmlns:a16="http://schemas.microsoft.com/office/drawing/2014/main" id="{CC7B5E14-5E2F-4D2C-AC20-D691B39BD724}"/>
               </a:ext>
             </a:extLst>
           </p:cNvPr>
-          <p:cNvSpPr txBox="1"/>
-          <p:nvPr/>
-        </p:nvSpPr>
-        <p:spPr>
-          <a:xfrm>
-            <a:off x="1828801" y="336884"/>
-            <a:ext cx="1805174" cy="369332"/>
-          </a:xfrm>
-          <a:prstGeom prst="rect">
-            <a:avLst/>
-          </a:prstGeom>
-          <a:noFill/>
-        </p:spPr>
-        <p:txBody>
-          <a:bodyPr wrap="none" rtlCol="0">
-            <a:spAutoFit/>
+          <p:cNvSpPr>
+            <a:spLocks noGrp="1"/>
+          </p:cNvSpPr>
+          <p:nvPr>
+            <p:ph idx="1"/>
+          </p:nvPr>
+        </p:nvSpPr>
+        <p:spPr/>
+        <p:txBody>
+          <a:bodyPr>
+            <a:normAutofit fontScale="85000" lnSpcReduction="20000"/>
           </a:bodyPr>
           <a:lstStyle/>
           <a:p>
             <a:r>
               <a:rPr lang="en-US" dirty="0"/>
-              <a:t>Permission codes</a:t>
-            </a:r>
-          </a:p>
-        </p:txBody>
-      </p:sp>
-      <p:cxnSp>
-        <p:nvCxnSpPr>
-          <p:cNvPr id="7" name="Straight Arrow Connector 6">
-            <a:extLst>
-              <a:ext uri="{FF2B5EF4-FFF2-40B4-BE49-F238E27FC236}">
-                <a16:creationId xmlns:a16="http://schemas.microsoft.com/office/drawing/2014/main" id="{00578169-545B-46BD-97E9-836F061657C9}"/>
-              </a:ext>
-            </a:extLst>
-          </p:cNvPr>
-          <p:cNvCxnSpPr/>
-          <p:nvPr/>
-        </p:nvCxnSpPr>
-        <p:spPr>
-          <a:xfrm flipH="1">
-            <a:off x="1251284" y="609600"/>
-            <a:ext cx="1058779" cy="1251284"/>
-          </a:xfrm>
-          <a:prstGeom prst="straightConnector1">
-            <a:avLst/>
-          </a:prstGeom>
-          <a:ln>
-            <a:solidFill>
-              <a:srgbClr val="FF0000"/>
-            </a:solidFill>
-            <a:tailEnd type="triangle"/>
-          </a:ln>
-        </p:spPr>
-        <p:style>
-          <a:lnRef idx="3">
-            <a:schemeClr val="dk1"/>
-          </a:lnRef>
-          <a:fillRef idx="0">
-            <a:schemeClr val="dk1"/>
-          </a:fillRef>
-          <a:effectRef idx="2">
-            <a:schemeClr val="dk1"/>
-          </a:effectRef>
-          <a:fontRef idx="minor">
-            <a:schemeClr val="tx1"/>
-          </a:fontRef>
-        </p:style>
-      </p:cxnSp>
-      <p:cxnSp>
-        <p:nvCxnSpPr>
-          <p:cNvPr id="8" name="Straight Arrow Connector 7">
-            <a:extLst>
-              <a:ext uri="{FF2B5EF4-FFF2-40B4-BE49-F238E27FC236}">
-                <a16:creationId xmlns:a16="http://schemas.microsoft.com/office/drawing/2014/main" id="{024E6665-C4B4-4DAC-961D-CC34BC3A42C6}"/>
-              </a:ext>
-            </a:extLst>
-          </p:cNvPr>
-          <p:cNvCxnSpPr>
-            <a:cxnSpLocks/>
-          </p:cNvCxnSpPr>
-          <p:nvPr/>
-        </p:nvCxnSpPr>
-        <p:spPr>
-          <a:xfrm flipH="1">
-            <a:off x="3232924" y="962526"/>
-            <a:ext cx="536971" cy="794629"/>
-          </a:xfrm>
-          <a:prstGeom prst="straightConnector1">
-            <a:avLst/>
-          </a:prstGeom>
-          <a:ln>
-            <a:solidFill>
-              <a:srgbClr val="FF0000"/>
-            </a:solidFill>
-            <a:tailEnd type="triangle"/>
-          </a:ln>
-        </p:spPr>
-        <p:style>
-          <a:lnRef idx="3">
-            <a:schemeClr val="dk1"/>
-          </a:lnRef>
-          <a:fillRef idx="0">
-            <a:schemeClr val="dk1"/>
-          </a:fillRef>
-          <a:effectRef idx="2">
-            <a:schemeClr val="dk1"/>
-          </a:effectRef>
-          <a:fontRef idx="minor">
-            <a:schemeClr val="tx1"/>
-          </a:fontRef>
-        </p:style>
-      </p:cxnSp>
-      <p:sp>
-        <p:nvSpPr>
-          <p:cNvPr id="11" name="TextBox 10">
-            <a:extLst>
-              <a:ext uri="{FF2B5EF4-FFF2-40B4-BE49-F238E27FC236}">
-                <a16:creationId xmlns:a16="http://schemas.microsoft.com/office/drawing/2014/main" id="{D8C827B6-EF31-4CB6-ACF8-B7D6A1698522}"/>
-              </a:ext>
-            </a:extLst>
-          </p:cNvPr>
-          <p:cNvSpPr txBox="1"/>
-          <p:nvPr/>
-        </p:nvSpPr>
-        <p:spPr>
-          <a:xfrm>
-            <a:off x="3232924" y="665466"/>
-            <a:ext cx="1630511" cy="369332"/>
-          </a:xfrm>
-          <a:prstGeom prst="rect">
-            <a:avLst/>
-          </a:prstGeom>
-          <a:noFill/>
-        </p:spPr>
-        <p:txBody>
-          <a:bodyPr wrap="none" rtlCol="0">
-            <a:spAutoFit/>
-          </a:bodyPr>
-          <a:lstStyle/>
-          <a:p>
+              <a:t>Copy file1 to file2:</a:t>
+            </a:r>
+          </a:p>
+          <a:p>
+            <a:pPr lvl="1"/>
             <a:r>
               <a:rPr lang="en-US" dirty="0"/>
-              <a:t>user ownership</a:t>
-            </a:r>
-          </a:p>
-        </p:txBody>
-      </p:sp>
-      <p:cxnSp>
-        <p:nvCxnSpPr>
-          <p:cNvPr id="12" name="Straight Arrow Connector 11">
-            <a:extLst>
-              <a:ext uri="{FF2B5EF4-FFF2-40B4-BE49-F238E27FC236}">
-                <a16:creationId xmlns:a16="http://schemas.microsoft.com/office/drawing/2014/main" id="{B3FE3925-86FD-4E90-BA58-F80D4E2D99B6}"/>
-              </a:ext>
-            </a:extLst>
-          </p:cNvPr>
-          <p:cNvCxnSpPr>
-            <a:cxnSpLocks/>
-          </p:cNvCxnSpPr>
-          <p:nvPr/>
-        </p:nvCxnSpPr>
-        <p:spPr>
-          <a:xfrm flipH="1">
-            <a:off x="4155786" y="1034798"/>
-            <a:ext cx="865393" cy="794629"/>
-          </a:xfrm>
-          <a:prstGeom prst="straightConnector1">
-            <a:avLst/>
-          </a:prstGeom>
-          <a:ln>
-            <a:solidFill>
-              <a:srgbClr val="FF0000"/>
-            </a:solidFill>
-            <a:tailEnd type="triangle"/>
-          </a:ln>
-        </p:spPr>
-        <p:style>
-          <a:lnRef idx="3">
-            <a:schemeClr val="dk1"/>
-          </a:lnRef>
-          <a:fillRef idx="0">
-            <a:schemeClr val="dk1"/>
-          </a:fillRef>
-          <a:effectRef idx="2">
-            <a:schemeClr val="dk1"/>
-          </a:effectRef>
-          <a:fontRef idx="minor">
-            <a:schemeClr val="tx1"/>
-          </a:fontRef>
-        </p:style>
-      </p:cxnSp>
-      <p:sp>
-        <p:nvSpPr>
-          <p:cNvPr id="14" name="TextBox 13">
-            <a:extLst>
-              <a:ext uri="{FF2B5EF4-FFF2-40B4-BE49-F238E27FC236}">
-                <a16:creationId xmlns:a16="http://schemas.microsoft.com/office/drawing/2014/main" id="{0B980C0B-F72C-4B89-B438-8F75183B5465}"/>
-              </a:ext>
-            </a:extLst>
-          </p:cNvPr>
-          <p:cNvSpPr txBox="1"/>
-          <p:nvPr/>
-        </p:nvSpPr>
-        <p:spPr>
-          <a:xfrm>
-            <a:off x="4903980" y="693449"/>
-            <a:ext cx="1774268" cy="369332"/>
-          </a:xfrm>
-          <a:prstGeom prst="rect">
-            <a:avLst/>
-          </a:prstGeom>
-          <a:noFill/>
-        </p:spPr>
-        <p:txBody>
-          <a:bodyPr wrap="none" rtlCol="0">
-            <a:spAutoFit/>
-          </a:bodyPr>
-          <a:lstStyle/>
-          <a:p>
+              <a:t>cp file1 file2</a:t>
+            </a:r>
+          </a:p>
+          <a:p>
+            <a:pPr lvl="1"/>
+            <a:r>
+              <a:rPr lang="en-US" b="1" dirty="0"/>
+              <a:t>example</a:t>
+            </a:r>
             <a:r>
               <a:rPr lang="en-US" dirty="0"/>
-              <a:t>group ownership</a:t>
-            </a:r>
-          </a:p>
-        </p:txBody>
-      </p:sp>
-      <p:cxnSp>
-        <p:nvCxnSpPr>
-          <p:cNvPr id="15" name="Straight Arrow Connector 14">
-            <a:extLst>
-              <a:ext uri="{FF2B5EF4-FFF2-40B4-BE49-F238E27FC236}">
-                <a16:creationId xmlns:a16="http://schemas.microsoft.com/office/drawing/2014/main" id="{71DAEE0F-4FD0-4B06-872C-F5BC18FD5C74}"/>
-              </a:ext>
-            </a:extLst>
-          </p:cNvPr>
-          <p:cNvCxnSpPr>
-            <a:cxnSpLocks/>
-          </p:cNvCxnSpPr>
-          <p:nvPr/>
-        </p:nvCxnSpPr>
-        <p:spPr>
-          <a:xfrm flipH="1" flipV="1">
-            <a:off x="4863436" y="5426151"/>
-            <a:ext cx="398375" cy="469323"/>
-          </a:xfrm>
-          <a:prstGeom prst="straightConnector1">
-            <a:avLst/>
-          </a:prstGeom>
-          <a:ln>
-            <a:solidFill>
-              <a:srgbClr val="FF0000"/>
-            </a:solidFill>
-            <a:tailEnd type="triangle"/>
-          </a:ln>
-        </p:spPr>
-        <p:style>
-          <a:lnRef idx="3">
-            <a:schemeClr val="dk1"/>
-          </a:lnRef>
-          <a:fillRef idx="0">
-            <a:schemeClr val="dk1"/>
-          </a:fillRef>
-          <a:effectRef idx="2">
-            <a:schemeClr val="dk1"/>
-          </a:effectRef>
-          <a:fontRef idx="minor">
-            <a:schemeClr val="tx1"/>
-          </a:fontRef>
-        </p:style>
-      </p:cxnSp>
-      <p:sp>
-        <p:nvSpPr>
-          <p:cNvPr id="17" name="TextBox 16">
-            <a:extLst>
-              <a:ext uri="{FF2B5EF4-FFF2-40B4-BE49-F238E27FC236}">
-                <a16:creationId xmlns:a16="http://schemas.microsoft.com/office/drawing/2014/main" id="{95F1C387-20CA-4A3A-AF0B-EBD27F3BFEA6}"/>
-              </a:ext>
-            </a:extLst>
-          </p:cNvPr>
-          <p:cNvSpPr txBox="1"/>
-          <p:nvPr/>
-        </p:nvSpPr>
-        <p:spPr>
-          <a:xfrm>
-            <a:off x="4825025" y="5967118"/>
-            <a:ext cx="873572" cy="369332"/>
-          </a:xfrm>
-          <a:prstGeom prst="rect">
-            <a:avLst/>
-          </a:prstGeom>
-          <a:noFill/>
-        </p:spPr>
-        <p:txBody>
-          <a:bodyPr wrap="none" rtlCol="0">
-            <a:spAutoFit/>
-          </a:bodyPr>
-          <a:lstStyle/>
-          <a:p>
-            <a:r>
+              <a:t>: </a:t>
+            </a:r>
+            <a:br>
               <a:rPr lang="en-US" dirty="0"/>
-              <a:t>file size</a:t>
-            </a:r>
-          </a:p>
-        </p:txBody>
-      </p:sp>
-      <p:cxnSp>
-        <p:nvCxnSpPr>
-          <p:cNvPr id="18" name="Straight Arrow Connector 17">
-            <a:extLst>
-              <a:ext uri="{FF2B5EF4-FFF2-40B4-BE49-F238E27FC236}">
-                <a16:creationId xmlns:a16="http://schemas.microsoft.com/office/drawing/2014/main" id="{D7CE0FFF-CD8A-4800-8D5C-99ED7B81E004}"/>
-              </a:ext>
-            </a:extLst>
-          </p:cNvPr>
-          <p:cNvCxnSpPr>
-            <a:cxnSpLocks/>
-          </p:cNvCxnSpPr>
-          <p:nvPr/>
-        </p:nvCxnSpPr>
-        <p:spPr>
-          <a:xfrm flipH="1" flipV="1">
-            <a:off x="5861123" y="5497795"/>
-            <a:ext cx="398375" cy="469323"/>
-          </a:xfrm>
-          <a:prstGeom prst="straightConnector1">
-            <a:avLst/>
-          </a:prstGeom>
-          <a:ln>
-            <a:solidFill>
-              <a:srgbClr val="FF0000"/>
-            </a:solidFill>
-            <a:tailEnd type="triangle"/>
-          </a:ln>
-        </p:spPr>
-        <p:style>
-          <a:lnRef idx="3">
-            <a:schemeClr val="dk1"/>
-          </a:lnRef>
-          <a:fillRef idx="0">
-            <a:schemeClr val="dk1"/>
-          </a:fillRef>
-          <a:effectRef idx="2">
-            <a:schemeClr val="dk1"/>
-          </a:effectRef>
-          <a:fontRef idx="minor">
-            <a:schemeClr val="tx1"/>
-          </a:fontRef>
-        </p:style>
-      </p:cxnSp>
-      <p:sp>
-        <p:nvSpPr>
-          <p:cNvPr id="20" name="TextBox 19">
-            <a:extLst>
-              <a:ext uri="{FF2B5EF4-FFF2-40B4-BE49-F238E27FC236}">
-                <a16:creationId xmlns:a16="http://schemas.microsoft.com/office/drawing/2014/main" id="{25992216-ADAE-4EB6-81D5-3BB6140AA21C}"/>
-              </a:ext>
-            </a:extLst>
-          </p:cNvPr>
-          <p:cNvSpPr txBox="1"/>
-          <p:nvPr/>
-        </p:nvSpPr>
-        <p:spPr>
-          <a:xfrm>
-            <a:off x="5812996" y="5962637"/>
-            <a:ext cx="1849352" cy="369332"/>
-          </a:xfrm>
-          <a:prstGeom prst="rect">
-            <a:avLst/>
-          </a:prstGeom>
-          <a:noFill/>
-        </p:spPr>
-        <p:txBody>
-          <a:bodyPr wrap="none" rtlCol="0">
-            <a:spAutoFit/>
-          </a:bodyPr>
-          <a:lstStyle/>
-          <a:p>
+            </a:br>
             <a:r>
               <a:rPr lang="en-US" dirty="0"/>
-              <a:t>modification time</a:t>
+              <a:t>touch test1.txt</a:t>
+            </a:r>
+            <a:br>
+              <a:rPr lang="en-US" dirty="0"/>
+            </a:br>
+            <a:r>
+              <a:rPr lang="en-US" dirty="0" err="1"/>
+              <a:t>mkdir</a:t>
+            </a:r>
+            <a:r>
+              <a:rPr lang="en-US" dirty="0"/>
+              <a:t> </a:t>
+            </a:r>
+            <a:r>
+              <a:rPr lang="en-US" dirty="0" err="1"/>
+              <a:t>test_dir</a:t>
+            </a:r>
+            <a:br>
+              <a:rPr lang="en-US" dirty="0"/>
+            </a:br>
+            <a:r>
+              <a:rPr lang="en-US" dirty="0"/>
+              <a:t>cp test1.txt </a:t>
+            </a:r>
+            <a:r>
+              <a:rPr lang="en-US" dirty="0" err="1"/>
+              <a:t>test_dir</a:t>
+            </a:r>
+            <a:r>
+              <a:rPr lang="en-US" dirty="0"/>
+              <a:t>/test1.txt</a:t>
+            </a:r>
+          </a:p>
+          <a:p>
+            <a:pPr lvl="1"/>
+            <a:endParaRPr lang="en-US" dirty="0"/>
+          </a:p>
+          <a:p>
+            <a:r>
+              <a:rPr lang="en-US" dirty="0"/>
+              <a:t>Copy all contents of dir1 to dir2</a:t>
+            </a:r>
+          </a:p>
+          <a:p>
+            <a:pPr lvl="1"/>
+            <a:r>
+              <a:rPr lang="en-US" dirty="0"/>
+              <a:t>cp -r dir1 dir2</a:t>
+            </a:r>
+          </a:p>
+          <a:p>
+            <a:pPr lvl="1"/>
+            <a:endParaRPr lang="en-US" dirty="0"/>
+          </a:p>
+          <a:p>
+            <a:r>
+              <a:rPr lang="en-US" dirty="0"/>
+              <a:t>Move file1 to file2 (or directories)</a:t>
+            </a:r>
+          </a:p>
+          <a:p>
+            <a:pPr lvl="1"/>
+            <a:r>
+              <a:rPr lang="en-US" dirty="0"/>
+              <a:t>mv file1 file2</a:t>
+            </a:r>
+          </a:p>
+          <a:p>
+            <a:pPr lvl="1"/>
+            <a:r>
+              <a:rPr lang="en-US" dirty="0"/>
+              <a:t>It can also rename your file</a:t>
+            </a:r>
+          </a:p>
+          <a:p>
+            <a:pPr lvl="1"/>
+            <a:r>
+              <a:rPr lang="en-US" dirty="0"/>
+              <a:t>Example:</a:t>
+            </a:r>
+            <a:br>
+              <a:rPr lang="en-US" dirty="0"/>
+            </a:br>
+            <a:r>
+              <a:rPr lang="en-US" dirty="0"/>
+              <a:t>mv /users/</a:t>
+            </a:r>
+            <a:r>
+              <a:rPr lang="en-US" dirty="0" err="1"/>
+              <a:t>kXXX</a:t>
+            </a:r>
+            <a:r>
+              <a:rPr lang="en-US" dirty="0"/>
+              <a:t>/</a:t>
+            </a:r>
+            <a:r>
+              <a:rPr lang="en-US" dirty="0" err="1"/>
+              <a:t>test_dir</a:t>
+            </a:r>
+            <a:r>
+              <a:rPr lang="en-US" dirty="0"/>
+              <a:t>/test1.txt /users/</a:t>
+            </a:r>
+            <a:r>
+              <a:rPr lang="en-US" dirty="0" err="1"/>
+              <a:t>kXXX</a:t>
+            </a:r>
+            <a:r>
+              <a:rPr lang="en-US" dirty="0"/>
+              <a:t>/test1.txt</a:t>
             </a:r>
           </a:p>
         </p:txBody>
@@ -9547,7 +9351,7 @@
     </p:spTree>
     <p:extLst>
       <p:ext uri="{BB962C8B-B14F-4D97-AF65-F5344CB8AC3E}">
-        <p14:creationId xmlns:p14="http://schemas.microsoft.com/office/powerpoint/2010/main" val="1510920818"/>
+        <p14:creationId xmlns:p14="http://schemas.microsoft.com/office/powerpoint/2010/main" val="4255138158"/>
       </p:ext>
     </p:extLst>
   </p:cSld>
@@ -9579,7 +9383,7 @@
           <p:cNvPr id="2" name="Title 1">
             <a:extLst>
               <a:ext uri="{FF2B5EF4-FFF2-40B4-BE49-F238E27FC236}">
-                <a16:creationId xmlns:a16="http://schemas.microsoft.com/office/drawing/2014/main" id="{1A2C2CB0-A6AC-43EE-AC1D-BDEBC9832BC5}"/>
+                <a16:creationId xmlns:a16="http://schemas.microsoft.com/office/drawing/2014/main" id="{9AF807E4-4BD4-4913-874B-4E2D57A4D561}"/>
               </a:ext>
             </a:extLst>
           </p:cNvPr>
@@ -9597,7 +9401,7 @@
           <a:p>
             <a:r>
               <a:rPr lang="en-US" dirty="0"/>
-              <a:t>Making and deleting directories</a:t>
+              <a:t>Removing files and directories</a:t>
             </a:r>
           </a:p>
         </p:txBody>
@@ -9607,7 +9411,7 @@
           <p:cNvPr id="3" name="Content Placeholder 2">
             <a:extLst>
               <a:ext uri="{FF2B5EF4-FFF2-40B4-BE49-F238E27FC236}">
-                <a16:creationId xmlns:a16="http://schemas.microsoft.com/office/drawing/2014/main" id="{CC7B5E14-5E2F-4D2C-AC20-D691B39BD724}"/>
+                <a16:creationId xmlns:a16="http://schemas.microsoft.com/office/drawing/2014/main" id="{AA21C2A0-F4CE-434A-BF63-9AD57799F9D4}"/>
               </a:ext>
             </a:extLst>
           </p:cNvPr>
@@ -9620,86 +9424,107 @@
         </p:nvSpPr>
         <p:spPr/>
         <p:txBody>
-          <a:bodyPr/>
+          <a:bodyPr>
+            <a:normAutofit lnSpcReduction="10000"/>
+          </a:bodyPr>
           <a:lstStyle/>
           <a:p>
             <a:r>
-              <a:rPr lang="en-US" dirty="0" err="1"/>
-              <a:t>mkdir</a:t>
-            </a:r>
-            <a:r>
-              <a:rPr lang="en-US" dirty="0"/>
-              <a:t> (</a:t>
-            </a:r>
-            <a:r>
-              <a:rPr lang="en-US" dirty="0" err="1"/>
-              <a:t>your_directory</a:t>
-            </a:r>
-            <a:r>
-              <a:rPr lang="en-US" dirty="0"/>
-              <a:t>)</a:t>
-            </a:r>
-          </a:p>
-          <a:p>
-            <a:pPr lvl="1"/>
-            <a:r>
-              <a:rPr lang="en-US" dirty="0"/>
-              <a:t>check if your directory is created: </a:t>
-            </a:r>
-            <a:r>
-              <a:rPr lang="en-US" b="1" dirty="0"/>
-              <a:t>ls </a:t>
-            </a:r>
-            <a:r>
-              <a:rPr lang="en-US" dirty="0"/>
-              <a:t>command</a:t>
-            </a:r>
-          </a:p>
-          <a:p>
-            <a:endParaRPr lang="en-US" dirty="0"/>
-          </a:p>
-          <a:p>
-            <a:r>
-              <a:rPr lang="en-US" dirty="0" err="1"/>
+              <a:rPr lang="en-US" sz="1800" dirty="0"/>
+              <a:t>rm file1 </a:t>
+            </a:r>
+            <a:r>
+              <a:rPr lang="en-US" sz="1800" dirty="0">
+                <a:sym typeface="Wingdings" panose="05000000000000000000" pitchFamily="2" charset="2"/>
+              </a:rPr>
+              <a:t> remove file 1</a:t>
+            </a:r>
+          </a:p>
+          <a:p>
+            <a:r>
+              <a:rPr lang="en-US" sz="1800" dirty="0" err="1">
+                <a:sym typeface="Wingdings" panose="05000000000000000000" pitchFamily="2" charset="2"/>
+              </a:rPr>
               <a:t>rmdir</a:t>
             </a:r>
             <a:r>
-              <a:rPr lang="en-US" dirty="0"/>
-              <a:t> (</a:t>
-            </a:r>
-            <a:r>
-              <a:rPr lang="en-US" dirty="0" err="1"/>
-              <a:t>your_directory</a:t>
-            </a:r>
-            <a:r>
-              <a:rPr lang="en-US" dirty="0"/>
-              <a:t>)</a:t>
-            </a:r>
-          </a:p>
-          <a:p>
-            <a:pPr lvl="1"/>
-            <a:r>
-              <a:rPr lang="en-US" dirty="0"/>
-              <a:t>check if your directory is deleted: </a:t>
-            </a:r>
-            <a:r>
-              <a:rPr lang="en-US" b="1" dirty="0"/>
-              <a:t>ls </a:t>
-            </a:r>
-            <a:r>
-              <a:rPr lang="en-US" dirty="0"/>
-              <a:t>command</a:t>
-            </a:r>
-          </a:p>
-          <a:p>
-            <a:endParaRPr lang="en-US" dirty="0"/>
+              <a:rPr lang="en-US" sz="1800" dirty="0">
+                <a:sym typeface="Wingdings" panose="05000000000000000000" pitchFamily="2" charset="2"/>
+              </a:rPr>
+              <a:t> directory1  remove directory1 (please note that directory1 should not have any files)</a:t>
+            </a:r>
+          </a:p>
+          <a:p>
+            <a:pPr marL="0" indent="0">
+              <a:buNone/>
+            </a:pPr>
+            <a:r>
+              <a:rPr lang="en-US" sz="1800" b="1" dirty="0">
+                <a:sym typeface="Wingdings" panose="05000000000000000000" pitchFamily="2" charset="2"/>
+              </a:rPr>
+              <a:t>WARNING: commands below should be carefully executed  deleted files will not be retrieved</a:t>
+            </a:r>
+            <a:endParaRPr lang="en-US" sz="1800" dirty="0">
+              <a:sym typeface="Wingdings" panose="05000000000000000000" pitchFamily="2" charset="2"/>
+            </a:endParaRPr>
+          </a:p>
+          <a:p>
+            <a:r>
+              <a:rPr lang="en-US" sz="1800" dirty="0">
+                <a:sym typeface="Wingdings" panose="05000000000000000000" pitchFamily="2" charset="2"/>
+              </a:rPr>
+              <a:t>rm test*  removing files of names beginning with “test”</a:t>
+            </a:r>
+          </a:p>
+          <a:p>
+            <a:r>
+              <a:rPr lang="en-US" sz="1800" dirty="0">
+                <a:sym typeface="Wingdings" panose="05000000000000000000" pitchFamily="2" charset="2"/>
+              </a:rPr>
+              <a:t>rm *  remove all files</a:t>
+            </a:r>
+          </a:p>
+          <a:p>
+            <a:r>
+              <a:rPr lang="en-US" sz="1800" dirty="0">
+                <a:sym typeface="Wingdings" panose="05000000000000000000" pitchFamily="2" charset="2"/>
+              </a:rPr>
+              <a:t>“*” called a wildcard, which matches all patterns</a:t>
+            </a:r>
+          </a:p>
+          <a:p>
+            <a:pPr marL="0" indent="0">
+              <a:buNone/>
+            </a:pPr>
+            <a:r>
+              <a:rPr lang="en-US" sz="1800" b="1" dirty="0">
+                <a:sym typeface="Wingdings" panose="05000000000000000000" pitchFamily="2" charset="2"/>
+              </a:rPr>
+              <a:t>Most dangerous command in Linux: </a:t>
+            </a:r>
+          </a:p>
+          <a:p>
+            <a:r>
+              <a:rPr lang="en-US" sz="1800" b="1" dirty="0">
+                <a:sym typeface="Wingdings" panose="05000000000000000000" pitchFamily="2" charset="2"/>
+              </a:rPr>
+              <a:t>rm –rf *</a:t>
+            </a:r>
+          </a:p>
+          <a:p>
+            <a:r>
+              <a:rPr lang="en-US" sz="1800" b="1" dirty="0">
+                <a:sym typeface="Wingdings" panose="05000000000000000000" pitchFamily="2" charset="2"/>
+              </a:rPr>
+              <a:t>It deletes all of your files and directories if you executed at the root or home folder</a:t>
+            </a:r>
           </a:p>
         </p:txBody>
       </p:sp>
     </p:spTree>
     <p:extLst>
       <p:ext uri="{BB962C8B-B14F-4D97-AF65-F5344CB8AC3E}">
-        <p14:creationId xmlns:p14="http://schemas.microsoft.com/office/powerpoint/2010/main" val="2078342418"/>
+        <p14:creationId xmlns:p14="http://schemas.microsoft.com/office/powerpoint/2010/main" val="2313653221"/>
       </p:ext>
     </p:extLst>
   </p:cSld>
@@ -9749,1224 +9574,6 @@
           <a:p>
             <a:r>
               <a:rPr lang="en-US" dirty="0"/>
-              <a:t>Changing to a different directory</a:t>
-            </a:r>
-          </a:p>
-        </p:txBody>
-      </p:sp>
-      <p:sp>
-        <p:nvSpPr>
-          <p:cNvPr id="3" name="Content Placeholder 2">
-            <a:extLst>
-              <a:ext uri="{FF2B5EF4-FFF2-40B4-BE49-F238E27FC236}">
-                <a16:creationId xmlns:a16="http://schemas.microsoft.com/office/drawing/2014/main" id="{CC7B5E14-5E2F-4D2C-AC20-D691B39BD724}"/>
-              </a:ext>
-            </a:extLst>
-          </p:cNvPr>
-          <p:cNvSpPr>
-            <a:spLocks noGrp="1"/>
-          </p:cNvSpPr>
-          <p:nvPr>
-            <p:ph idx="1"/>
-          </p:nvPr>
-        </p:nvSpPr>
-        <p:spPr/>
-        <p:txBody>
-          <a:bodyPr>
-            <a:normAutofit fontScale="92500" lnSpcReduction="20000"/>
-          </a:bodyPr>
-          <a:lstStyle/>
-          <a:p>
-            <a:r>
-              <a:rPr lang="en-US" dirty="0"/>
-              <a:t>Go to </a:t>
-            </a:r>
-            <a:r>
-              <a:rPr lang="en-US" dirty="0" err="1"/>
-              <a:t>your_directory</a:t>
-            </a:r>
-            <a:endParaRPr lang="en-US" dirty="0"/>
-          </a:p>
-          <a:p>
-            <a:pPr lvl="1"/>
-            <a:r>
-              <a:rPr lang="en-US" dirty="0"/>
-              <a:t>cd (</a:t>
-            </a:r>
-            <a:r>
-              <a:rPr lang="en-US" dirty="0" err="1"/>
-              <a:t>your_directory</a:t>
-            </a:r>
-            <a:r>
-              <a:rPr lang="en-US" dirty="0"/>
-              <a:t>)</a:t>
-            </a:r>
-          </a:p>
-          <a:p>
-            <a:r>
-              <a:rPr lang="en-US" dirty="0"/>
-              <a:t>Go to parent directory</a:t>
-            </a:r>
-          </a:p>
-          <a:p>
-            <a:pPr lvl="1"/>
-            <a:r>
-              <a:rPr lang="en-US" dirty="0"/>
-              <a:t>cd .. </a:t>
-            </a:r>
-          </a:p>
-          <a:p>
-            <a:r>
-              <a:rPr lang="en-US" dirty="0"/>
-              <a:t>Go to previous directory</a:t>
-            </a:r>
-          </a:p>
-          <a:p>
-            <a:pPr lvl="1"/>
-            <a:r>
-              <a:rPr lang="en-US" dirty="0"/>
-              <a:t>cd -</a:t>
-            </a:r>
-          </a:p>
-          <a:p>
-            <a:r>
-              <a:rPr lang="en-US" dirty="0"/>
-              <a:t>Go to specific directory</a:t>
-            </a:r>
-          </a:p>
-          <a:p>
-            <a:pPr lvl="1"/>
-            <a:r>
-              <a:rPr lang="en-US" dirty="0"/>
-              <a:t>cd (</a:t>
-            </a:r>
-            <a:r>
-              <a:rPr lang="en-US" dirty="0" err="1"/>
-              <a:t>full_path_of_directory</a:t>
-            </a:r>
-            <a:r>
-              <a:rPr lang="en-US" dirty="0"/>
-              <a:t>)</a:t>
-            </a:r>
-          </a:p>
-          <a:p>
-            <a:pPr lvl="1"/>
-            <a:r>
-              <a:rPr lang="en-US" dirty="0"/>
-              <a:t>cd /users/</a:t>
-            </a:r>
-            <a:r>
-              <a:rPr lang="en-US" dirty="0" err="1"/>
-              <a:t>kXXXX</a:t>
-            </a:r>
-            <a:r>
-              <a:rPr lang="en-US" dirty="0"/>
-              <a:t>/test</a:t>
-            </a:r>
-          </a:p>
-          <a:p>
-            <a:pPr lvl="1"/>
-            <a:r>
-              <a:rPr lang="en-US" dirty="0"/>
-              <a:t>cd -</a:t>
-            </a:r>
-          </a:p>
-          <a:p>
-            <a:r>
-              <a:rPr lang="en-US" dirty="0"/>
-              <a:t>Find path of your current directory</a:t>
-            </a:r>
-          </a:p>
-          <a:p>
-            <a:pPr lvl="1"/>
-            <a:r>
-              <a:rPr lang="en-US" dirty="0" err="1"/>
-              <a:t>pwd</a:t>
-            </a:r>
-            <a:endParaRPr lang="en-US" dirty="0"/>
-          </a:p>
-        </p:txBody>
-      </p:sp>
-    </p:spTree>
-    <p:extLst>
-      <p:ext uri="{BB962C8B-B14F-4D97-AF65-F5344CB8AC3E}">
-        <p14:creationId xmlns:p14="http://schemas.microsoft.com/office/powerpoint/2010/main" val="2510805348"/>
-      </p:ext>
-    </p:extLst>
-  </p:cSld>
-  <p:clrMapOvr>
-    <a:masterClrMapping/>
-  </p:clrMapOvr>
-</p:sld>
-</file>
-
-<file path=ppt/slides/slide24.xml><?xml version="1.0" encoding="utf-8"?>
-<p:sld xmlns:a="http://schemas.openxmlformats.org/drawingml/2006/main" xmlns:r="http://schemas.openxmlformats.org/officeDocument/2006/relationships" xmlns:p="http://schemas.openxmlformats.org/presentationml/2006/main">
-  <p:cSld>
-    <p:spTree>
-      <p:nvGrpSpPr>
-        <p:cNvPr id="1" name=""/>
-        <p:cNvGrpSpPr/>
-        <p:nvPr/>
-      </p:nvGrpSpPr>
-      <p:grpSpPr>
-        <a:xfrm>
-          <a:off x="0" y="0"/>
-          <a:ext cx="0" cy="0"/>
-          <a:chOff x="0" y="0"/>
-          <a:chExt cx="0" cy="0"/>
-        </a:xfrm>
-      </p:grpSpPr>
-      <p:pic>
-        <p:nvPicPr>
-          <p:cNvPr id="4" name="Content Placeholder 3">
-            <a:extLst>
-              <a:ext uri="{FF2B5EF4-FFF2-40B4-BE49-F238E27FC236}">
-                <a16:creationId xmlns:a16="http://schemas.microsoft.com/office/drawing/2014/main" id="{9ED0DE5E-7D9D-4B68-9736-A22A5746AF4B}"/>
-              </a:ext>
-            </a:extLst>
-          </p:cNvPr>
-          <p:cNvPicPr>
-            <a:picLocks noGrp="1" noChangeAspect="1"/>
-          </p:cNvPicPr>
-          <p:nvPr>
-            <p:ph idx="1"/>
-          </p:nvPr>
-        </p:nvPicPr>
-        <p:blipFill>
-          <a:blip r:embed="rId2"/>
-          <a:stretch>
-            <a:fillRect/>
-          </a:stretch>
-        </p:blipFill>
-        <p:spPr>
-          <a:xfrm>
-            <a:off x="980868" y="352926"/>
-            <a:ext cx="10164197" cy="6096000"/>
-          </a:xfrm>
-          <a:prstGeom prst="rect">
-            <a:avLst/>
-          </a:prstGeom>
-        </p:spPr>
-      </p:pic>
-      <p:cxnSp>
-        <p:nvCxnSpPr>
-          <p:cNvPr id="6" name="Straight Arrow Connector 5">
-            <a:extLst>
-              <a:ext uri="{FF2B5EF4-FFF2-40B4-BE49-F238E27FC236}">
-                <a16:creationId xmlns:a16="http://schemas.microsoft.com/office/drawing/2014/main" id="{8CE4643B-E130-4E43-BF20-1A04C2069EAC}"/>
-              </a:ext>
-            </a:extLst>
-          </p:cNvPr>
-          <p:cNvCxnSpPr>
-            <a:cxnSpLocks/>
-          </p:cNvCxnSpPr>
-          <p:nvPr/>
-        </p:nvCxnSpPr>
-        <p:spPr>
-          <a:xfrm flipV="1">
-            <a:off x="7267074" y="4843682"/>
-            <a:ext cx="1019978" cy="578550"/>
-          </a:xfrm>
-          <a:prstGeom prst="straightConnector1">
-            <a:avLst/>
-          </a:prstGeom>
-          <a:ln>
-            <a:tailEnd type="triangle"/>
-          </a:ln>
-        </p:spPr>
-        <p:style>
-          <a:lnRef idx="1">
-            <a:schemeClr val="accent1"/>
-          </a:lnRef>
-          <a:fillRef idx="0">
-            <a:schemeClr val="accent1"/>
-          </a:fillRef>
-          <a:effectRef idx="0">
-            <a:schemeClr val="accent1"/>
-          </a:effectRef>
-          <a:fontRef idx="minor">
-            <a:schemeClr val="tx1"/>
-          </a:fontRef>
-        </p:style>
-      </p:cxnSp>
-      <p:sp>
-        <p:nvSpPr>
-          <p:cNvPr id="7" name="Rectangle 6">
-            <a:extLst>
-              <a:ext uri="{FF2B5EF4-FFF2-40B4-BE49-F238E27FC236}">
-                <a16:creationId xmlns:a16="http://schemas.microsoft.com/office/drawing/2014/main" id="{117EF255-F4BB-4BD5-BD57-849ABA1CC5B2}"/>
-              </a:ext>
-            </a:extLst>
-          </p:cNvPr>
-          <p:cNvSpPr/>
-          <p:nvPr/>
-        </p:nvSpPr>
-        <p:spPr>
-          <a:xfrm>
-            <a:off x="8287052" y="4659016"/>
-            <a:ext cx="2517677" cy="369332"/>
-          </a:xfrm>
-          <a:prstGeom prst="rect">
-            <a:avLst/>
-          </a:prstGeom>
-        </p:spPr>
-        <p:txBody>
-          <a:bodyPr wrap="none">
-            <a:spAutoFit/>
-          </a:bodyPr>
-          <a:lstStyle/>
-          <a:p>
-            <a:r>
-              <a:rPr lang="en-US" b="1" dirty="0">
-                <a:solidFill>
-                  <a:schemeClr val="bg1"/>
-                </a:solidFill>
-                <a:latin typeface="Calibri-Bold"/>
-              </a:rPr>
-              <a:t>/home/</a:t>
-            </a:r>
-            <a:r>
-              <a:rPr lang="en-US" b="1" dirty="0" err="1">
-                <a:solidFill>
-                  <a:schemeClr val="bg1"/>
-                </a:solidFill>
-                <a:latin typeface="Calibri-Bold"/>
-              </a:rPr>
-              <a:t>nisse</a:t>
-            </a:r>
-            <a:r>
-              <a:rPr lang="en-US" b="1" dirty="0">
-                <a:solidFill>
-                  <a:schemeClr val="bg1"/>
-                </a:solidFill>
-                <a:latin typeface="Calibri-Bold"/>
-              </a:rPr>
-              <a:t>/report.doc</a:t>
-            </a:r>
-            <a:endParaRPr lang="en-US" dirty="0">
-              <a:solidFill>
-                <a:schemeClr val="bg1"/>
-              </a:solidFill>
-            </a:endParaRPr>
-          </a:p>
-        </p:txBody>
-      </p:sp>
-      <p:sp>
-        <p:nvSpPr>
-          <p:cNvPr id="8" name="Rectangle 7">
-            <a:extLst>
-              <a:ext uri="{FF2B5EF4-FFF2-40B4-BE49-F238E27FC236}">
-                <a16:creationId xmlns:a16="http://schemas.microsoft.com/office/drawing/2014/main" id="{8F105A98-C1B9-4A35-8A12-0902C12874DC}"/>
-              </a:ext>
-            </a:extLst>
-          </p:cNvPr>
-          <p:cNvSpPr/>
-          <p:nvPr/>
-        </p:nvSpPr>
-        <p:spPr>
-          <a:xfrm>
-            <a:off x="3585411" y="4191778"/>
-            <a:ext cx="1684421" cy="369332"/>
-          </a:xfrm>
-          <a:prstGeom prst="rect">
-            <a:avLst/>
-          </a:prstGeom>
-        </p:spPr>
-        <p:txBody>
-          <a:bodyPr wrap="square">
-            <a:spAutoFit/>
-          </a:bodyPr>
-          <a:lstStyle/>
-          <a:p>
-            <a:r>
-              <a:rPr lang="en-US" dirty="0">
-                <a:solidFill>
-                  <a:schemeClr val="bg1"/>
-                </a:solidFill>
-                <a:latin typeface="Calibri" panose="020F0502020204030204" pitchFamily="34" charset="0"/>
-              </a:rPr>
-              <a:t>User </a:t>
-            </a:r>
-            <a:r>
-              <a:rPr lang="en-US" b="1" dirty="0">
-                <a:solidFill>
-                  <a:schemeClr val="bg1"/>
-                </a:solidFill>
-                <a:latin typeface="Calibri-Bold"/>
-              </a:rPr>
-              <a:t>”</a:t>
-            </a:r>
-            <a:r>
-              <a:rPr lang="en-US" b="1" dirty="0" err="1">
-                <a:solidFill>
-                  <a:schemeClr val="bg1"/>
-                </a:solidFill>
-                <a:latin typeface="Calibri-Bold"/>
-              </a:rPr>
-              <a:t>nisse</a:t>
-            </a:r>
-            <a:r>
-              <a:rPr lang="en-US" b="1" dirty="0">
-                <a:solidFill>
-                  <a:schemeClr val="bg1"/>
-                </a:solidFill>
-                <a:latin typeface="Calibri-Bold"/>
-              </a:rPr>
-              <a:t>"</a:t>
-            </a:r>
-          </a:p>
-        </p:txBody>
-      </p:sp>
-      <p:sp>
-        <p:nvSpPr>
-          <p:cNvPr id="9" name="Rectangle 8">
-            <a:extLst>
-              <a:ext uri="{FF2B5EF4-FFF2-40B4-BE49-F238E27FC236}">
-                <a16:creationId xmlns:a16="http://schemas.microsoft.com/office/drawing/2014/main" id="{B07706BF-5009-4CCF-9A78-AC03043BC76B}"/>
-              </a:ext>
-            </a:extLst>
-          </p:cNvPr>
-          <p:cNvSpPr/>
-          <p:nvPr/>
-        </p:nvSpPr>
-        <p:spPr>
-          <a:xfrm>
-            <a:off x="7457279" y="5676372"/>
-            <a:ext cx="3753853" cy="646331"/>
-          </a:xfrm>
-          <a:prstGeom prst="rect">
-            <a:avLst/>
-          </a:prstGeom>
-        </p:spPr>
-        <p:txBody>
-          <a:bodyPr wrap="square">
-            <a:spAutoFit/>
-          </a:bodyPr>
-          <a:lstStyle/>
-          <a:p>
-            <a:r>
-              <a:rPr lang="en-US" b="1" dirty="0">
-                <a:solidFill>
-                  <a:schemeClr val="bg1"/>
-                </a:solidFill>
-                <a:latin typeface="Calibri-Bold"/>
-              </a:rPr>
-              <a:t>Please note “home” folder in </a:t>
-            </a:r>
-            <a:r>
-              <a:rPr lang="en-US" b="1" dirty="0" err="1">
-                <a:solidFill>
-                  <a:schemeClr val="bg1"/>
-                </a:solidFill>
-                <a:latin typeface="Calibri-Bold"/>
-              </a:rPr>
-              <a:t>rosalind</a:t>
-            </a:r>
-            <a:r>
-              <a:rPr lang="en-US" b="1" dirty="0">
-                <a:solidFill>
-                  <a:schemeClr val="bg1"/>
-                </a:solidFill>
-                <a:latin typeface="Calibri-Bold"/>
-              </a:rPr>
-              <a:t> is different: e.g. /users/</a:t>
-            </a:r>
-            <a:r>
-              <a:rPr lang="en-US" b="1" dirty="0" err="1">
-                <a:solidFill>
-                  <a:schemeClr val="bg1"/>
-                </a:solidFill>
-                <a:latin typeface="Calibri-Bold"/>
-              </a:rPr>
-              <a:t>nisse</a:t>
-            </a:r>
-            <a:endParaRPr lang="en-US" dirty="0">
-              <a:solidFill>
-                <a:schemeClr val="bg1"/>
-              </a:solidFill>
-            </a:endParaRPr>
-          </a:p>
-        </p:txBody>
-      </p:sp>
-      <p:sp>
-        <p:nvSpPr>
-          <p:cNvPr id="10" name="TextBox 9">
-            <a:extLst>
-              <a:ext uri="{FF2B5EF4-FFF2-40B4-BE49-F238E27FC236}">
-                <a16:creationId xmlns:a16="http://schemas.microsoft.com/office/drawing/2014/main" id="{C2AFB10F-BD55-470F-968B-9FBD78FBE1C1}"/>
-              </a:ext>
-            </a:extLst>
-          </p:cNvPr>
-          <p:cNvSpPr txBox="1"/>
-          <p:nvPr/>
-        </p:nvSpPr>
-        <p:spPr>
-          <a:xfrm>
-            <a:off x="979888" y="2928407"/>
-            <a:ext cx="1936749" cy="369332"/>
-          </a:xfrm>
-          <a:prstGeom prst="rect">
-            <a:avLst/>
-          </a:prstGeom>
-          <a:noFill/>
-        </p:spPr>
-        <p:txBody>
-          <a:bodyPr wrap="none" rtlCol="0">
-            <a:spAutoFit/>
-          </a:bodyPr>
-          <a:lstStyle/>
-          <a:p>
-            <a:r>
-              <a:rPr lang="en-US" b="1" dirty="0">
-                <a:solidFill>
-                  <a:schemeClr val="bg1"/>
-                </a:solidFill>
-              </a:rPr>
-              <a:t>Root permission</a:t>
-            </a:r>
-          </a:p>
-        </p:txBody>
-      </p:sp>
-      <p:cxnSp>
-        <p:nvCxnSpPr>
-          <p:cNvPr id="12" name="Straight Arrow Connector 11">
-            <a:extLst>
-              <a:ext uri="{FF2B5EF4-FFF2-40B4-BE49-F238E27FC236}">
-                <a16:creationId xmlns:a16="http://schemas.microsoft.com/office/drawing/2014/main" id="{CD20D946-32C0-4929-99B5-A4456BB34D9D}"/>
-              </a:ext>
-            </a:extLst>
-          </p:cNvPr>
-          <p:cNvCxnSpPr>
-            <a:cxnSpLocks/>
-          </p:cNvCxnSpPr>
-          <p:nvPr/>
-        </p:nvCxnSpPr>
-        <p:spPr>
-          <a:xfrm flipV="1">
-            <a:off x="2327730" y="2695075"/>
-            <a:ext cx="3735236" cy="256672"/>
-          </a:xfrm>
-          <a:prstGeom prst="straightConnector1">
-            <a:avLst/>
-          </a:prstGeom>
-          <a:ln>
-            <a:tailEnd type="triangle"/>
-          </a:ln>
-        </p:spPr>
-        <p:style>
-          <a:lnRef idx="1">
-            <a:schemeClr val="accent1"/>
-          </a:lnRef>
-          <a:fillRef idx="0">
-            <a:schemeClr val="accent1"/>
-          </a:fillRef>
-          <a:effectRef idx="0">
-            <a:schemeClr val="accent1"/>
-          </a:effectRef>
-          <a:fontRef idx="minor">
-            <a:schemeClr val="tx1"/>
-          </a:fontRef>
-        </p:style>
-      </p:cxnSp>
-      <p:sp>
-        <p:nvSpPr>
-          <p:cNvPr id="14" name="Rectangle 13">
-            <a:extLst>
-              <a:ext uri="{FF2B5EF4-FFF2-40B4-BE49-F238E27FC236}">
-                <a16:creationId xmlns:a16="http://schemas.microsoft.com/office/drawing/2014/main" id="{B870B2C1-19A3-4C0B-8D1A-4206AC77E023}"/>
-              </a:ext>
-            </a:extLst>
-          </p:cNvPr>
-          <p:cNvSpPr/>
-          <p:nvPr/>
-        </p:nvSpPr>
-        <p:spPr>
-          <a:xfrm>
-            <a:off x="881778" y="4076633"/>
-            <a:ext cx="6096000" cy="369332"/>
-          </a:xfrm>
-          <a:prstGeom prst="rect">
-            <a:avLst/>
-          </a:prstGeom>
-        </p:spPr>
-        <p:txBody>
-          <a:bodyPr>
-            <a:spAutoFit/>
-          </a:bodyPr>
-          <a:lstStyle/>
-          <a:p>
-            <a:r>
-              <a:rPr lang="en-US" b="1" dirty="0">
-                <a:solidFill>
-                  <a:schemeClr val="bg1"/>
-                </a:solidFill>
-              </a:rPr>
-              <a:t>Group permission</a:t>
-            </a:r>
-          </a:p>
-        </p:txBody>
-      </p:sp>
-      <p:cxnSp>
-        <p:nvCxnSpPr>
-          <p:cNvPr id="16" name="Straight Arrow Connector 15">
-            <a:extLst>
-              <a:ext uri="{FF2B5EF4-FFF2-40B4-BE49-F238E27FC236}">
-                <a16:creationId xmlns:a16="http://schemas.microsoft.com/office/drawing/2014/main" id="{2748D36A-AAC8-43DC-A411-5088A0F6A889}"/>
-              </a:ext>
-            </a:extLst>
-          </p:cNvPr>
-          <p:cNvCxnSpPr>
-            <a:cxnSpLocks/>
-          </p:cNvCxnSpPr>
-          <p:nvPr/>
-        </p:nvCxnSpPr>
-        <p:spPr>
-          <a:xfrm flipV="1">
-            <a:off x="2021735" y="4542148"/>
-            <a:ext cx="2638335" cy="952455"/>
-          </a:xfrm>
-          <a:prstGeom prst="straightConnector1">
-            <a:avLst/>
-          </a:prstGeom>
-          <a:ln>
-            <a:tailEnd type="triangle"/>
-          </a:ln>
-        </p:spPr>
-        <p:style>
-          <a:lnRef idx="1">
-            <a:schemeClr val="accent1"/>
-          </a:lnRef>
-          <a:fillRef idx="0">
-            <a:schemeClr val="accent1"/>
-          </a:fillRef>
-          <a:effectRef idx="0">
-            <a:schemeClr val="accent1"/>
-          </a:effectRef>
-          <a:fontRef idx="minor">
-            <a:schemeClr val="tx1"/>
-          </a:fontRef>
-        </p:style>
-      </p:cxnSp>
-      <p:cxnSp>
-        <p:nvCxnSpPr>
-          <p:cNvPr id="18" name="Straight Arrow Connector 17">
-            <a:extLst>
-              <a:ext uri="{FF2B5EF4-FFF2-40B4-BE49-F238E27FC236}">
-                <a16:creationId xmlns:a16="http://schemas.microsoft.com/office/drawing/2014/main" id="{087CF7A3-2257-45BF-886D-ED3C3D981E7D}"/>
-              </a:ext>
-            </a:extLst>
-          </p:cNvPr>
-          <p:cNvCxnSpPr>
-            <a:cxnSpLocks/>
-          </p:cNvCxnSpPr>
-          <p:nvPr/>
-        </p:nvCxnSpPr>
-        <p:spPr>
-          <a:xfrm flipV="1">
-            <a:off x="2380950" y="3530496"/>
-            <a:ext cx="2688355" cy="899973"/>
-          </a:xfrm>
-          <a:prstGeom prst="straightConnector1">
-            <a:avLst/>
-          </a:prstGeom>
-          <a:ln>
-            <a:tailEnd type="triangle"/>
-          </a:ln>
-        </p:spPr>
-        <p:style>
-          <a:lnRef idx="1">
-            <a:schemeClr val="accent1"/>
-          </a:lnRef>
-          <a:fillRef idx="0">
-            <a:schemeClr val="accent1"/>
-          </a:fillRef>
-          <a:effectRef idx="0">
-            <a:schemeClr val="accent1"/>
-          </a:effectRef>
-          <a:fontRef idx="minor">
-            <a:schemeClr val="tx1"/>
-          </a:fontRef>
-        </p:style>
-      </p:cxnSp>
-      <p:sp>
-        <p:nvSpPr>
-          <p:cNvPr id="15" name="Rectangle 14">
-            <a:extLst>
-              <a:ext uri="{FF2B5EF4-FFF2-40B4-BE49-F238E27FC236}">
-                <a16:creationId xmlns:a16="http://schemas.microsoft.com/office/drawing/2014/main" id="{A4FC4952-3D2D-4FB7-8722-0942134160AA}"/>
-              </a:ext>
-            </a:extLst>
-          </p:cNvPr>
-          <p:cNvSpPr/>
-          <p:nvPr/>
-        </p:nvSpPr>
-        <p:spPr>
-          <a:xfrm>
-            <a:off x="979888" y="5525595"/>
-            <a:ext cx="1907895" cy="369332"/>
-          </a:xfrm>
-          <a:prstGeom prst="rect">
-            <a:avLst/>
-          </a:prstGeom>
-        </p:spPr>
-        <p:txBody>
-          <a:bodyPr wrap="none">
-            <a:spAutoFit/>
-          </a:bodyPr>
-          <a:lstStyle/>
-          <a:p>
-            <a:r>
-              <a:rPr lang="en-US" b="1" dirty="0">
-                <a:solidFill>
-                  <a:schemeClr val="bg1"/>
-                </a:solidFill>
-              </a:rPr>
-              <a:t>User permission</a:t>
-            </a:r>
-          </a:p>
-        </p:txBody>
-      </p:sp>
-    </p:spTree>
-    <p:extLst>
-      <p:ext uri="{BB962C8B-B14F-4D97-AF65-F5344CB8AC3E}">
-        <p14:creationId xmlns:p14="http://schemas.microsoft.com/office/powerpoint/2010/main" val="585900291"/>
-      </p:ext>
-    </p:extLst>
-  </p:cSld>
-  <p:clrMapOvr>
-    <a:masterClrMapping/>
-  </p:clrMapOvr>
-</p:sld>
-</file>
-
-<file path=ppt/slides/slide25.xml><?xml version="1.0" encoding="utf-8"?>
-<p:sld xmlns:a="http://schemas.openxmlformats.org/drawingml/2006/main" xmlns:r="http://schemas.openxmlformats.org/officeDocument/2006/relationships" xmlns:p="http://schemas.openxmlformats.org/presentationml/2006/main">
-  <p:cSld>
-    <p:spTree>
-      <p:nvGrpSpPr>
-        <p:cNvPr id="1" name=""/>
-        <p:cNvGrpSpPr/>
-        <p:nvPr/>
-      </p:nvGrpSpPr>
-      <p:grpSpPr>
-        <a:xfrm>
-          <a:off x="0" y="0"/>
-          <a:ext cx="0" cy="0"/>
-          <a:chOff x="0" y="0"/>
-          <a:chExt cx="0" cy="0"/>
-        </a:xfrm>
-      </p:grpSpPr>
-      <p:sp>
-        <p:nvSpPr>
-          <p:cNvPr id="2" name="Title 1">
-            <a:extLst>
-              <a:ext uri="{FF2B5EF4-FFF2-40B4-BE49-F238E27FC236}">
-                <a16:creationId xmlns:a16="http://schemas.microsoft.com/office/drawing/2014/main" id="{D57C865D-672E-D04E-87F1-9F89099460EC}"/>
-              </a:ext>
-            </a:extLst>
-          </p:cNvPr>
-          <p:cNvSpPr>
-            <a:spLocks noGrp="1"/>
-          </p:cNvSpPr>
-          <p:nvPr>
-            <p:ph type="title"/>
-          </p:nvPr>
-        </p:nvSpPr>
-        <p:spPr/>
-        <p:txBody>
-          <a:bodyPr/>
-          <a:lstStyle/>
-          <a:p>
-            <a:r>
-              <a:rPr lang="en-US" dirty="0"/>
-              <a:t>2</a:t>
-            </a:r>
-            <a:r>
-              <a:rPr lang="en-US" baseline="30000" dirty="0"/>
-              <a:t>nd</a:t>
-            </a:r>
-            <a:r>
-              <a:rPr lang="en-US" dirty="0"/>
-              <a:t> Exercise: how to control your files/directories</a:t>
-            </a:r>
-            <a:endParaRPr lang="en-GB" dirty="0"/>
-          </a:p>
-        </p:txBody>
-      </p:sp>
-      <p:sp>
-        <p:nvSpPr>
-          <p:cNvPr id="3" name="Text Placeholder 2">
-            <a:extLst>
-              <a:ext uri="{FF2B5EF4-FFF2-40B4-BE49-F238E27FC236}">
-                <a16:creationId xmlns:a16="http://schemas.microsoft.com/office/drawing/2014/main" id="{B7B1DE01-B24F-3D46-938B-04023D7FC0E1}"/>
-              </a:ext>
-            </a:extLst>
-          </p:cNvPr>
-          <p:cNvSpPr>
-            <a:spLocks noGrp="1"/>
-          </p:cNvSpPr>
-          <p:nvPr>
-            <p:ph type="body" idx="1"/>
-          </p:nvPr>
-        </p:nvSpPr>
-        <p:spPr/>
-        <p:txBody>
-          <a:bodyPr/>
-          <a:lstStyle/>
-          <a:p>
-            <a:endParaRPr lang="en-GB"/>
-          </a:p>
-        </p:txBody>
-      </p:sp>
-    </p:spTree>
-    <p:extLst>
-      <p:ext uri="{BB962C8B-B14F-4D97-AF65-F5344CB8AC3E}">
-        <p14:creationId xmlns:p14="http://schemas.microsoft.com/office/powerpoint/2010/main" val="2912341423"/>
-      </p:ext>
-    </p:extLst>
-  </p:cSld>
-  <p:clrMapOvr>
-    <a:masterClrMapping/>
-  </p:clrMapOvr>
-</p:sld>
-</file>
-
-<file path=ppt/slides/slide26.xml><?xml version="1.0" encoding="utf-8"?>
-<p:sld xmlns:a="http://schemas.openxmlformats.org/drawingml/2006/main" xmlns:r="http://schemas.openxmlformats.org/officeDocument/2006/relationships" xmlns:p="http://schemas.openxmlformats.org/presentationml/2006/main">
-  <p:cSld>
-    <p:spTree>
-      <p:nvGrpSpPr>
-        <p:cNvPr id="1" name=""/>
-        <p:cNvGrpSpPr/>
-        <p:nvPr/>
-      </p:nvGrpSpPr>
-      <p:grpSpPr>
-        <a:xfrm>
-          <a:off x="0" y="0"/>
-          <a:ext cx="0" cy="0"/>
-          <a:chOff x="0" y="0"/>
-          <a:chExt cx="0" cy="0"/>
-        </a:xfrm>
-      </p:grpSpPr>
-      <p:sp>
-        <p:nvSpPr>
-          <p:cNvPr id="2" name="Title 1">
-            <a:extLst>
-              <a:ext uri="{FF2B5EF4-FFF2-40B4-BE49-F238E27FC236}">
-                <a16:creationId xmlns:a16="http://schemas.microsoft.com/office/drawing/2014/main" id="{1A2C2CB0-A6AC-43EE-AC1D-BDEBC9832BC5}"/>
-              </a:ext>
-            </a:extLst>
-          </p:cNvPr>
-          <p:cNvSpPr>
-            <a:spLocks noGrp="1"/>
-          </p:cNvSpPr>
-          <p:nvPr>
-            <p:ph type="title"/>
-          </p:nvPr>
-        </p:nvSpPr>
-        <p:spPr/>
-        <p:txBody>
-          <a:bodyPr/>
-          <a:lstStyle/>
-          <a:p>
-            <a:r>
-              <a:rPr lang="en-US" dirty="0"/>
-              <a:t>Copying and moving files/directories</a:t>
-            </a:r>
-          </a:p>
-        </p:txBody>
-      </p:sp>
-      <p:sp>
-        <p:nvSpPr>
-          <p:cNvPr id="3" name="Content Placeholder 2">
-            <a:extLst>
-              <a:ext uri="{FF2B5EF4-FFF2-40B4-BE49-F238E27FC236}">
-                <a16:creationId xmlns:a16="http://schemas.microsoft.com/office/drawing/2014/main" id="{CC7B5E14-5E2F-4D2C-AC20-D691B39BD724}"/>
-              </a:ext>
-            </a:extLst>
-          </p:cNvPr>
-          <p:cNvSpPr>
-            <a:spLocks noGrp="1"/>
-          </p:cNvSpPr>
-          <p:nvPr>
-            <p:ph idx="1"/>
-          </p:nvPr>
-        </p:nvSpPr>
-        <p:spPr/>
-        <p:txBody>
-          <a:bodyPr>
-            <a:normAutofit fontScale="85000" lnSpcReduction="20000"/>
-          </a:bodyPr>
-          <a:lstStyle/>
-          <a:p>
-            <a:r>
-              <a:rPr lang="en-US" dirty="0"/>
-              <a:t>Copy file1 to file2:</a:t>
-            </a:r>
-          </a:p>
-          <a:p>
-            <a:pPr lvl="1"/>
-            <a:r>
-              <a:rPr lang="en-US" dirty="0"/>
-              <a:t>cp file1 file2</a:t>
-            </a:r>
-          </a:p>
-          <a:p>
-            <a:pPr lvl="1"/>
-            <a:r>
-              <a:rPr lang="en-US" b="1" dirty="0"/>
-              <a:t>example</a:t>
-            </a:r>
-            <a:r>
-              <a:rPr lang="en-US" dirty="0"/>
-              <a:t>: </a:t>
-            </a:r>
-            <a:br>
-              <a:rPr lang="en-US" dirty="0"/>
-            </a:br>
-            <a:r>
-              <a:rPr lang="en-US" dirty="0"/>
-              <a:t>touch test1.txt</a:t>
-            </a:r>
-            <a:br>
-              <a:rPr lang="en-US" dirty="0"/>
-            </a:br>
-            <a:r>
-              <a:rPr lang="en-US" dirty="0" err="1"/>
-              <a:t>mkdir</a:t>
-            </a:r>
-            <a:r>
-              <a:rPr lang="en-US" dirty="0"/>
-              <a:t> </a:t>
-            </a:r>
-            <a:r>
-              <a:rPr lang="en-US" dirty="0" err="1"/>
-              <a:t>test_dir</a:t>
-            </a:r>
-            <a:br>
-              <a:rPr lang="en-US" dirty="0"/>
-            </a:br>
-            <a:r>
-              <a:rPr lang="en-US" dirty="0"/>
-              <a:t>cp test1.txt </a:t>
-            </a:r>
-            <a:r>
-              <a:rPr lang="en-US" dirty="0" err="1"/>
-              <a:t>test_dir</a:t>
-            </a:r>
-            <a:r>
-              <a:rPr lang="en-US" dirty="0"/>
-              <a:t>/test1.txt</a:t>
-            </a:r>
-          </a:p>
-          <a:p>
-            <a:pPr lvl="1"/>
-            <a:endParaRPr lang="en-US" dirty="0"/>
-          </a:p>
-          <a:p>
-            <a:r>
-              <a:rPr lang="en-US" dirty="0"/>
-              <a:t>Copy all contents of dir1 to dir2</a:t>
-            </a:r>
-          </a:p>
-          <a:p>
-            <a:pPr lvl="1"/>
-            <a:r>
-              <a:rPr lang="en-US" dirty="0"/>
-              <a:t>cp -r dir1 dir2</a:t>
-            </a:r>
-          </a:p>
-          <a:p>
-            <a:pPr lvl="1"/>
-            <a:endParaRPr lang="en-US" dirty="0"/>
-          </a:p>
-          <a:p>
-            <a:r>
-              <a:rPr lang="en-US" dirty="0"/>
-              <a:t>Move file1 to file2 (or directories)</a:t>
-            </a:r>
-          </a:p>
-          <a:p>
-            <a:pPr lvl="1"/>
-            <a:r>
-              <a:rPr lang="en-US" dirty="0"/>
-              <a:t>mv file1 file2</a:t>
-            </a:r>
-          </a:p>
-          <a:p>
-            <a:pPr lvl="1"/>
-            <a:r>
-              <a:rPr lang="en-US" dirty="0"/>
-              <a:t>It can also rename your file</a:t>
-            </a:r>
-          </a:p>
-          <a:p>
-            <a:pPr lvl="1"/>
-            <a:r>
-              <a:rPr lang="en-US" dirty="0"/>
-              <a:t>Example:</a:t>
-            </a:r>
-            <a:br>
-              <a:rPr lang="en-US" dirty="0"/>
-            </a:br>
-            <a:r>
-              <a:rPr lang="en-US" dirty="0"/>
-              <a:t>mv /users/</a:t>
-            </a:r>
-            <a:r>
-              <a:rPr lang="en-US" dirty="0" err="1"/>
-              <a:t>kXXX</a:t>
-            </a:r>
-            <a:r>
-              <a:rPr lang="en-US" dirty="0"/>
-              <a:t>/</a:t>
-            </a:r>
-            <a:r>
-              <a:rPr lang="en-US" dirty="0" err="1"/>
-              <a:t>test_dir</a:t>
-            </a:r>
-            <a:r>
-              <a:rPr lang="en-US" dirty="0"/>
-              <a:t>/test1.txt /users/</a:t>
-            </a:r>
-            <a:r>
-              <a:rPr lang="en-US" dirty="0" err="1"/>
-              <a:t>kXXX</a:t>
-            </a:r>
-            <a:r>
-              <a:rPr lang="en-US" dirty="0"/>
-              <a:t>/test1.txt</a:t>
-            </a:r>
-          </a:p>
-        </p:txBody>
-      </p:sp>
-    </p:spTree>
-    <p:extLst>
-      <p:ext uri="{BB962C8B-B14F-4D97-AF65-F5344CB8AC3E}">
-        <p14:creationId xmlns:p14="http://schemas.microsoft.com/office/powerpoint/2010/main" val="4255138158"/>
-      </p:ext>
-    </p:extLst>
-  </p:cSld>
-  <p:clrMapOvr>
-    <a:masterClrMapping/>
-  </p:clrMapOvr>
-</p:sld>
-</file>
-
-<file path=ppt/slides/slide27.xml><?xml version="1.0" encoding="utf-8"?>
-<p:sld xmlns:a="http://schemas.openxmlformats.org/drawingml/2006/main" xmlns:r="http://schemas.openxmlformats.org/officeDocument/2006/relationships" xmlns:p="http://schemas.openxmlformats.org/presentationml/2006/main">
-  <p:cSld>
-    <p:spTree>
-      <p:nvGrpSpPr>
-        <p:cNvPr id="1" name=""/>
-        <p:cNvGrpSpPr/>
-        <p:nvPr/>
-      </p:nvGrpSpPr>
-      <p:grpSpPr>
-        <a:xfrm>
-          <a:off x="0" y="0"/>
-          <a:ext cx="0" cy="0"/>
-          <a:chOff x="0" y="0"/>
-          <a:chExt cx="0" cy="0"/>
-        </a:xfrm>
-      </p:grpSpPr>
-      <p:sp>
-        <p:nvSpPr>
-          <p:cNvPr id="2" name="Title 1">
-            <a:extLst>
-              <a:ext uri="{FF2B5EF4-FFF2-40B4-BE49-F238E27FC236}">
-                <a16:creationId xmlns:a16="http://schemas.microsoft.com/office/drawing/2014/main" id="{9AF807E4-4BD4-4913-874B-4E2D57A4D561}"/>
-              </a:ext>
-            </a:extLst>
-          </p:cNvPr>
-          <p:cNvSpPr>
-            <a:spLocks noGrp="1"/>
-          </p:cNvSpPr>
-          <p:nvPr>
-            <p:ph type="title"/>
-          </p:nvPr>
-        </p:nvSpPr>
-        <p:spPr/>
-        <p:txBody>
-          <a:bodyPr/>
-          <a:lstStyle/>
-          <a:p>
-            <a:r>
-              <a:rPr lang="en-US" dirty="0"/>
-              <a:t>Removing files and directories</a:t>
-            </a:r>
-          </a:p>
-        </p:txBody>
-      </p:sp>
-      <p:sp>
-        <p:nvSpPr>
-          <p:cNvPr id="3" name="Content Placeholder 2">
-            <a:extLst>
-              <a:ext uri="{FF2B5EF4-FFF2-40B4-BE49-F238E27FC236}">
-                <a16:creationId xmlns:a16="http://schemas.microsoft.com/office/drawing/2014/main" id="{AA21C2A0-F4CE-434A-BF63-9AD57799F9D4}"/>
-              </a:ext>
-            </a:extLst>
-          </p:cNvPr>
-          <p:cNvSpPr>
-            <a:spLocks noGrp="1"/>
-          </p:cNvSpPr>
-          <p:nvPr>
-            <p:ph idx="1"/>
-          </p:nvPr>
-        </p:nvSpPr>
-        <p:spPr/>
-        <p:txBody>
-          <a:bodyPr>
-            <a:normAutofit lnSpcReduction="10000"/>
-          </a:bodyPr>
-          <a:lstStyle/>
-          <a:p>
-            <a:r>
-              <a:rPr lang="en-US" sz="1800" dirty="0"/>
-              <a:t>rm file1 </a:t>
-            </a:r>
-            <a:r>
-              <a:rPr lang="en-US" sz="1800" dirty="0">
-                <a:sym typeface="Wingdings" panose="05000000000000000000" pitchFamily="2" charset="2"/>
-              </a:rPr>
-              <a:t> remove file 1</a:t>
-            </a:r>
-          </a:p>
-          <a:p>
-            <a:r>
-              <a:rPr lang="en-US" sz="1800" dirty="0" err="1">
-                <a:sym typeface="Wingdings" panose="05000000000000000000" pitchFamily="2" charset="2"/>
-              </a:rPr>
-              <a:t>rmdir</a:t>
-            </a:r>
-            <a:r>
-              <a:rPr lang="en-US" sz="1800" dirty="0">
-                <a:sym typeface="Wingdings" panose="05000000000000000000" pitchFamily="2" charset="2"/>
-              </a:rPr>
-              <a:t> directory1  remove directory1 (please note that directory1 should not have any files)</a:t>
-            </a:r>
-          </a:p>
-          <a:p>
-            <a:pPr marL="0" indent="0">
-              <a:buNone/>
-            </a:pPr>
-            <a:r>
-              <a:rPr lang="en-US" sz="1800" b="1" dirty="0">
-                <a:sym typeface="Wingdings" panose="05000000000000000000" pitchFamily="2" charset="2"/>
-              </a:rPr>
-              <a:t>WARNING: commands below should be carefully executed  deleted files will not be retrieved</a:t>
-            </a:r>
-            <a:endParaRPr lang="en-US" sz="1800" dirty="0">
-              <a:sym typeface="Wingdings" panose="05000000000000000000" pitchFamily="2" charset="2"/>
-            </a:endParaRPr>
-          </a:p>
-          <a:p>
-            <a:r>
-              <a:rPr lang="en-US" sz="1800" dirty="0">
-                <a:sym typeface="Wingdings" panose="05000000000000000000" pitchFamily="2" charset="2"/>
-              </a:rPr>
-              <a:t>rm test*  removing files of names beginning with “test”</a:t>
-            </a:r>
-          </a:p>
-          <a:p>
-            <a:r>
-              <a:rPr lang="en-US" sz="1800" dirty="0">
-                <a:sym typeface="Wingdings" panose="05000000000000000000" pitchFamily="2" charset="2"/>
-              </a:rPr>
-              <a:t>rm *  remove all files</a:t>
-            </a:r>
-          </a:p>
-          <a:p>
-            <a:r>
-              <a:rPr lang="en-US" sz="1800" dirty="0">
-                <a:sym typeface="Wingdings" panose="05000000000000000000" pitchFamily="2" charset="2"/>
-              </a:rPr>
-              <a:t>“*” called a wildcard, which matches all patterns</a:t>
-            </a:r>
-          </a:p>
-          <a:p>
-            <a:pPr marL="0" indent="0">
-              <a:buNone/>
-            </a:pPr>
-            <a:r>
-              <a:rPr lang="en-US" sz="1800" b="1" dirty="0">
-                <a:sym typeface="Wingdings" panose="05000000000000000000" pitchFamily="2" charset="2"/>
-              </a:rPr>
-              <a:t>Most dangerous command in Linux: </a:t>
-            </a:r>
-          </a:p>
-          <a:p>
-            <a:r>
-              <a:rPr lang="en-US" sz="1800" b="1" dirty="0">
-                <a:sym typeface="Wingdings" panose="05000000000000000000" pitchFamily="2" charset="2"/>
-              </a:rPr>
-              <a:t>rm –rf *</a:t>
-            </a:r>
-          </a:p>
-          <a:p>
-            <a:r>
-              <a:rPr lang="en-US" sz="1800" b="1" dirty="0">
-                <a:sym typeface="Wingdings" panose="05000000000000000000" pitchFamily="2" charset="2"/>
-              </a:rPr>
-              <a:t>It deletes all of your files and directories if you executed at the root or home folder</a:t>
-            </a:r>
-          </a:p>
-        </p:txBody>
-      </p:sp>
-    </p:spTree>
-    <p:extLst>
-      <p:ext uri="{BB962C8B-B14F-4D97-AF65-F5344CB8AC3E}">
-        <p14:creationId xmlns:p14="http://schemas.microsoft.com/office/powerpoint/2010/main" val="2313653221"/>
-      </p:ext>
-    </p:extLst>
-  </p:cSld>
-  <p:clrMapOvr>
-    <a:masterClrMapping/>
-  </p:clrMapOvr>
-</p:sld>
-</file>
-
-<file path=ppt/slides/slide28.xml><?xml version="1.0" encoding="utf-8"?>
-<p:sld xmlns:a="http://schemas.openxmlformats.org/drawingml/2006/main" xmlns:r="http://schemas.openxmlformats.org/officeDocument/2006/relationships" xmlns:p="http://schemas.openxmlformats.org/presentationml/2006/main">
-  <p:cSld>
-    <p:spTree>
-      <p:nvGrpSpPr>
-        <p:cNvPr id="1" name=""/>
-        <p:cNvGrpSpPr/>
-        <p:nvPr/>
-      </p:nvGrpSpPr>
-      <p:grpSpPr>
-        <a:xfrm>
-          <a:off x="0" y="0"/>
-          <a:ext cx="0" cy="0"/>
-          <a:chOff x="0" y="0"/>
-          <a:chExt cx="0" cy="0"/>
-        </a:xfrm>
-      </p:grpSpPr>
-      <p:sp>
-        <p:nvSpPr>
-          <p:cNvPr id="2" name="Title 1">
-            <a:extLst>
-              <a:ext uri="{FF2B5EF4-FFF2-40B4-BE49-F238E27FC236}">
-                <a16:creationId xmlns:a16="http://schemas.microsoft.com/office/drawing/2014/main" id="{1A2C2CB0-A6AC-43EE-AC1D-BDEBC9832BC5}"/>
-              </a:ext>
-            </a:extLst>
-          </p:cNvPr>
-          <p:cNvSpPr>
-            <a:spLocks noGrp="1"/>
-          </p:cNvSpPr>
-          <p:nvPr>
-            <p:ph type="title"/>
-          </p:nvPr>
-        </p:nvSpPr>
-        <p:spPr/>
-        <p:txBody>
-          <a:bodyPr/>
-          <a:lstStyle/>
-          <a:p>
-            <a:r>
-              <a:rPr lang="en-US" dirty="0"/>
               <a:t>Displaying content of file</a:t>
             </a:r>
           </a:p>
@@ -11058,7 +9665,7 @@
 </p:sld>
 </file>
 
-<file path=ppt/slides/slide29.xml><?xml version="1.0" encoding="utf-8"?>
+<file path=ppt/slides/slide24.xml><?xml version="1.0" encoding="utf-8"?>
 <p:sld xmlns:a="http://schemas.openxmlformats.org/drawingml/2006/main" xmlns:r="http://schemas.openxmlformats.org/officeDocument/2006/relationships" xmlns:p="http://schemas.openxmlformats.org/presentationml/2006/main">
   <p:cSld>
     <p:spTree>
@@ -11248,6 +9855,499 @@
     <p:extLst>
       <p:ext uri="{BB962C8B-B14F-4D97-AF65-F5344CB8AC3E}">
         <p14:creationId xmlns:p14="http://schemas.microsoft.com/office/powerpoint/2010/main" val="2604586002"/>
+      </p:ext>
+    </p:extLst>
+  </p:cSld>
+  <p:clrMapOvr>
+    <a:masterClrMapping/>
+  </p:clrMapOvr>
+</p:sld>
+</file>
+
+<file path=ppt/slides/slide25.xml><?xml version="1.0" encoding="utf-8"?>
+<p:sld xmlns:a="http://schemas.openxmlformats.org/drawingml/2006/main" xmlns:r="http://schemas.openxmlformats.org/officeDocument/2006/relationships" xmlns:p="http://schemas.openxmlformats.org/presentationml/2006/main">
+  <p:cSld>
+    <p:spTree>
+      <p:nvGrpSpPr>
+        <p:cNvPr id="1" name=""/>
+        <p:cNvGrpSpPr/>
+        <p:nvPr/>
+      </p:nvGrpSpPr>
+      <p:grpSpPr>
+        <a:xfrm>
+          <a:off x="0" y="0"/>
+          <a:ext cx="0" cy="0"/>
+          <a:chOff x="0" y="0"/>
+          <a:chExt cx="0" cy="0"/>
+        </a:xfrm>
+      </p:grpSpPr>
+      <p:sp>
+        <p:nvSpPr>
+          <p:cNvPr id="2" name="Title 1">
+            <a:extLst>
+              <a:ext uri="{FF2B5EF4-FFF2-40B4-BE49-F238E27FC236}">
+                <a16:creationId xmlns:a16="http://schemas.microsoft.com/office/drawing/2014/main" id="{F106FC69-F4F4-477D-9A5D-63B0AEB15A9F}"/>
+              </a:ext>
+            </a:extLst>
+          </p:cNvPr>
+          <p:cNvSpPr>
+            <a:spLocks noGrp="1"/>
+          </p:cNvSpPr>
+          <p:nvPr>
+            <p:ph type="title"/>
+          </p:nvPr>
+        </p:nvSpPr>
+        <p:spPr/>
+        <p:txBody>
+          <a:bodyPr/>
+          <a:lstStyle/>
+          <a:p>
+            <a:r>
+              <a:rPr lang="en-US" dirty="0"/>
+              <a:t>How to control your processes</a:t>
+            </a:r>
+          </a:p>
+        </p:txBody>
+      </p:sp>
+      <p:sp>
+        <p:nvSpPr>
+          <p:cNvPr id="5" name="Content Placeholder 4">
+            <a:extLst>
+              <a:ext uri="{FF2B5EF4-FFF2-40B4-BE49-F238E27FC236}">
+                <a16:creationId xmlns:a16="http://schemas.microsoft.com/office/drawing/2014/main" id="{962C4D9E-DB42-4E3B-B101-7A341F5DAC18}"/>
+              </a:ext>
+            </a:extLst>
+          </p:cNvPr>
+          <p:cNvSpPr>
+            <a:spLocks noGrp="1"/>
+          </p:cNvSpPr>
+          <p:nvPr>
+            <p:ph idx="1"/>
+          </p:nvPr>
+        </p:nvSpPr>
+        <p:spPr/>
+        <p:txBody>
+          <a:bodyPr>
+            <a:normAutofit fontScale="85000" lnSpcReduction="20000"/>
+          </a:bodyPr>
+          <a:lstStyle/>
+          <a:p>
+            <a:r>
+              <a:rPr lang="en-US" dirty="0"/>
+              <a:t>Foreground vs background</a:t>
+            </a:r>
+          </a:p>
+          <a:p>
+            <a:pPr lvl="1"/>
+            <a:r>
+              <a:rPr lang="en-US" dirty="0"/>
+              <a:t>Your jobs can be executed as background (multi-tasking)</a:t>
+            </a:r>
+          </a:p>
+          <a:p>
+            <a:pPr lvl="1"/>
+            <a:r>
+              <a:rPr lang="en-US" i="1" dirty="0"/>
+              <a:t>command</a:t>
+            </a:r>
+            <a:r>
+              <a:rPr lang="en-US" dirty="0"/>
+              <a:t> &amp; </a:t>
+            </a:r>
+            <a:r>
+              <a:rPr lang="en-US" dirty="0">
+                <a:sym typeface="Wingdings" panose="05000000000000000000" pitchFamily="2" charset="2"/>
+              </a:rPr>
+              <a:t> running command in background</a:t>
+            </a:r>
+          </a:p>
+          <a:p>
+            <a:pPr lvl="1"/>
+            <a:endParaRPr lang="en-US" dirty="0"/>
+          </a:p>
+          <a:p>
+            <a:r>
+              <a:rPr lang="en-US" dirty="0"/>
+              <a:t>Ctrl + C </a:t>
+            </a:r>
+            <a:r>
+              <a:rPr lang="en-US" dirty="0">
+                <a:sym typeface="Wingdings" panose="05000000000000000000" pitchFamily="2" charset="2"/>
+              </a:rPr>
+              <a:t> killing job in the foreground</a:t>
+            </a:r>
+          </a:p>
+          <a:p>
+            <a:r>
+              <a:rPr lang="en-US" dirty="0">
+                <a:sym typeface="Wingdings" panose="05000000000000000000" pitchFamily="2" charset="2"/>
+              </a:rPr>
+              <a:t>Ctrl + Z  suspending job running in the foreground</a:t>
+            </a:r>
+          </a:p>
+          <a:p>
+            <a:r>
+              <a:rPr lang="en-US" dirty="0" err="1">
+                <a:sym typeface="Wingdings" panose="05000000000000000000" pitchFamily="2" charset="2"/>
+              </a:rPr>
+              <a:t>bg</a:t>
+            </a:r>
+            <a:r>
+              <a:rPr lang="en-US" dirty="0">
+                <a:sym typeface="Wingdings" panose="05000000000000000000" pitchFamily="2" charset="2"/>
+              </a:rPr>
+              <a:t>  background the suspended job</a:t>
+            </a:r>
+          </a:p>
+          <a:p>
+            <a:r>
+              <a:rPr lang="en-US" dirty="0" err="1">
+                <a:sym typeface="Wingdings" panose="05000000000000000000" pitchFamily="2" charset="2"/>
+              </a:rPr>
+              <a:t>ps</a:t>
+            </a:r>
+            <a:r>
+              <a:rPr lang="en-US" dirty="0">
+                <a:sym typeface="Wingdings" panose="05000000000000000000" pitchFamily="2" charset="2"/>
+              </a:rPr>
+              <a:t>  list current processes</a:t>
+            </a:r>
+          </a:p>
+          <a:p>
+            <a:r>
+              <a:rPr lang="en-US" dirty="0">
+                <a:sym typeface="Wingdings" panose="05000000000000000000" pitchFamily="2" charset="2"/>
+              </a:rPr>
+              <a:t>jobs  list current jobs</a:t>
+            </a:r>
+          </a:p>
+          <a:p>
+            <a:r>
+              <a:rPr lang="en-US" dirty="0">
+                <a:sym typeface="Wingdings" panose="05000000000000000000" pitchFamily="2" charset="2"/>
+              </a:rPr>
+              <a:t>kill -9 1231  kill process number 1231</a:t>
+            </a:r>
+          </a:p>
+          <a:p>
+            <a:r>
+              <a:rPr lang="en-US" dirty="0">
+                <a:sym typeface="Wingdings" panose="05000000000000000000" pitchFamily="2" charset="2"/>
+              </a:rPr>
+              <a:t>kill %1  kill job number 1</a:t>
+            </a:r>
+          </a:p>
+          <a:p>
+            <a:r>
+              <a:rPr lang="en-US" dirty="0">
+                <a:sym typeface="Wingdings" panose="05000000000000000000" pitchFamily="2" charset="2"/>
+              </a:rPr>
+              <a:t>history  list commands you typed previously</a:t>
+            </a:r>
+          </a:p>
+        </p:txBody>
+      </p:sp>
+    </p:spTree>
+    <p:extLst>
+      <p:ext uri="{BB962C8B-B14F-4D97-AF65-F5344CB8AC3E}">
+        <p14:creationId xmlns:p14="http://schemas.microsoft.com/office/powerpoint/2010/main" val="3089053513"/>
+      </p:ext>
+    </p:extLst>
+  </p:cSld>
+  <p:clrMapOvr>
+    <a:masterClrMapping/>
+  </p:clrMapOvr>
+</p:sld>
+</file>
+
+<file path=ppt/slides/slide26.xml><?xml version="1.0" encoding="utf-8"?>
+<p:sld xmlns:a="http://schemas.openxmlformats.org/drawingml/2006/main" xmlns:r="http://schemas.openxmlformats.org/officeDocument/2006/relationships" xmlns:p="http://schemas.openxmlformats.org/presentationml/2006/main">
+  <p:cSld>
+    <p:spTree>
+      <p:nvGrpSpPr>
+        <p:cNvPr id="1" name=""/>
+        <p:cNvGrpSpPr/>
+        <p:nvPr/>
+      </p:nvGrpSpPr>
+      <p:grpSpPr>
+        <a:xfrm>
+          <a:off x="0" y="0"/>
+          <a:ext cx="0" cy="0"/>
+          <a:chOff x="0" y="0"/>
+          <a:chExt cx="0" cy="0"/>
+        </a:xfrm>
+      </p:grpSpPr>
+      <p:sp>
+        <p:nvSpPr>
+          <p:cNvPr id="2" name="Title 1">
+            <a:extLst>
+              <a:ext uri="{FF2B5EF4-FFF2-40B4-BE49-F238E27FC236}">
+                <a16:creationId xmlns:a16="http://schemas.microsoft.com/office/drawing/2014/main" id="{F106FC69-F4F4-477D-9A5D-63B0AEB15A9F}"/>
+              </a:ext>
+            </a:extLst>
+          </p:cNvPr>
+          <p:cNvSpPr>
+            <a:spLocks noGrp="1"/>
+          </p:cNvSpPr>
+          <p:nvPr>
+            <p:ph type="title"/>
+          </p:nvPr>
+        </p:nvSpPr>
+        <p:spPr/>
+        <p:txBody>
+          <a:bodyPr/>
+          <a:lstStyle/>
+          <a:p>
+            <a:r>
+              <a:rPr lang="en-US" dirty="0"/>
+              <a:t>How much resource are you using</a:t>
+            </a:r>
+          </a:p>
+        </p:txBody>
+      </p:sp>
+      <p:sp>
+        <p:nvSpPr>
+          <p:cNvPr id="3" name="Content Placeholder 2">
+            <a:extLst>
+              <a:ext uri="{FF2B5EF4-FFF2-40B4-BE49-F238E27FC236}">
+                <a16:creationId xmlns:a16="http://schemas.microsoft.com/office/drawing/2014/main" id="{F7FD468D-656B-48E1-90D6-5D651345DEDD}"/>
+              </a:ext>
+            </a:extLst>
+          </p:cNvPr>
+          <p:cNvSpPr>
+            <a:spLocks noGrp="1"/>
+          </p:cNvSpPr>
+          <p:nvPr>
+            <p:ph idx="1"/>
+          </p:nvPr>
+        </p:nvSpPr>
+        <p:spPr/>
+        <p:txBody>
+          <a:bodyPr/>
+          <a:lstStyle/>
+          <a:p>
+            <a:r>
+              <a:rPr lang="en-US" dirty="0"/>
+              <a:t>How much space you are using under the current directory</a:t>
+            </a:r>
+          </a:p>
+          <a:p>
+            <a:pPr lvl="1"/>
+            <a:r>
+              <a:rPr lang="en-US" dirty="0">
+                <a:effectLst/>
+                <a:latin typeface="Helvetica Neue" panose="02000503000000020004" pitchFamily="2" charset="0"/>
+              </a:rPr>
+              <a:t>du -h --max-depth=1</a:t>
+            </a:r>
+          </a:p>
+          <a:p>
+            <a:pPr lvl="1"/>
+            <a:endParaRPr lang="en-US" dirty="0"/>
+          </a:p>
+          <a:p>
+            <a:r>
+              <a:rPr lang="en-US" dirty="0"/>
+              <a:t>Which processes are running now</a:t>
+            </a:r>
+          </a:p>
+          <a:p>
+            <a:pPr lvl="1"/>
+            <a:r>
+              <a:rPr lang="en-US" dirty="0"/>
+              <a:t>top, </a:t>
+            </a:r>
+            <a:r>
+              <a:rPr lang="en-US" dirty="0" err="1"/>
+              <a:t>htop</a:t>
+            </a:r>
+            <a:r>
+              <a:rPr lang="en-US" dirty="0"/>
+              <a:t> (escaping by “q”)</a:t>
+            </a:r>
+          </a:p>
+          <a:p>
+            <a:pPr lvl="1"/>
+            <a:endParaRPr lang="en-US" dirty="0"/>
+          </a:p>
+        </p:txBody>
+      </p:sp>
+    </p:spTree>
+    <p:extLst>
+      <p:ext uri="{BB962C8B-B14F-4D97-AF65-F5344CB8AC3E}">
+        <p14:creationId xmlns:p14="http://schemas.microsoft.com/office/powerpoint/2010/main" val="4215418260"/>
+      </p:ext>
+    </p:extLst>
+  </p:cSld>
+  <p:clrMapOvr>
+    <a:masterClrMapping/>
+  </p:clrMapOvr>
+</p:sld>
+</file>
+
+<file path=ppt/slides/slide27.xml><?xml version="1.0" encoding="utf-8"?>
+<p:sld xmlns:a="http://schemas.openxmlformats.org/drawingml/2006/main" xmlns:r="http://schemas.openxmlformats.org/officeDocument/2006/relationships" xmlns:p="http://schemas.openxmlformats.org/presentationml/2006/main">
+  <p:cSld>
+    <p:spTree>
+      <p:nvGrpSpPr>
+        <p:cNvPr id="1" name=""/>
+        <p:cNvGrpSpPr/>
+        <p:nvPr/>
+      </p:nvGrpSpPr>
+      <p:grpSpPr>
+        <a:xfrm>
+          <a:off x="0" y="0"/>
+          <a:ext cx="0" cy="0"/>
+          <a:chOff x="0" y="0"/>
+          <a:chExt cx="0" cy="0"/>
+        </a:xfrm>
+      </p:grpSpPr>
+      <p:sp>
+        <p:nvSpPr>
+          <p:cNvPr id="2" name="Title 1">
+            <a:extLst>
+              <a:ext uri="{FF2B5EF4-FFF2-40B4-BE49-F238E27FC236}">
+                <a16:creationId xmlns:a16="http://schemas.microsoft.com/office/drawing/2014/main" id="{5C53331A-5529-DB46-99BB-A2B3D74A0A56}"/>
+              </a:ext>
+            </a:extLst>
+          </p:cNvPr>
+          <p:cNvSpPr>
+            <a:spLocks noGrp="1"/>
+          </p:cNvSpPr>
+          <p:nvPr>
+            <p:ph type="title"/>
+          </p:nvPr>
+        </p:nvSpPr>
+        <p:spPr/>
+        <p:txBody>
+          <a:bodyPr/>
+          <a:lstStyle/>
+          <a:p>
+            <a:r>
+              <a:rPr lang="en-GB" dirty="0"/>
+              <a:t>End of Day 1</a:t>
+            </a:r>
+          </a:p>
+        </p:txBody>
+      </p:sp>
+      <p:sp>
+        <p:nvSpPr>
+          <p:cNvPr id="3" name="Text Placeholder 2">
+            <a:extLst>
+              <a:ext uri="{FF2B5EF4-FFF2-40B4-BE49-F238E27FC236}">
+                <a16:creationId xmlns:a16="http://schemas.microsoft.com/office/drawing/2014/main" id="{8B6E645B-DCEE-CB47-B10B-16E6461BF79D}"/>
+              </a:ext>
+            </a:extLst>
+          </p:cNvPr>
+          <p:cNvSpPr>
+            <a:spLocks noGrp="1"/>
+          </p:cNvSpPr>
+          <p:nvPr>
+            <p:ph type="body" idx="1"/>
+          </p:nvPr>
+        </p:nvSpPr>
+        <p:spPr/>
+        <p:txBody>
+          <a:bodyPr/>
+          <a:lstStyle/>
+          <a:p>
+            <a:endParaRPr lang="en-GB"/>
+          </a:p>
+        </p:txBody>
+      </p:sp>
+    </p:spTree>
+    <p:extLst>
+      <p:ext uri="{BB962C8B-B14F-4D97-AF65-F5344CB8AC3E}">
+        <p14:creationId xmlns:p14="http://schemas.microsoft.com/office/powerpoint/2010/main" val="4265035943"/>
+      </p:ext>
+    </p:extLst>
+  </p:cSld>
+  <p:clrMapOvr>
+    <a:masterClrMapping/>
+  </p:clrMapOvr>
+</p:sld>
+</file>
+
+<file path=ppt/slides/slide28.xml><?xml version="1.0" encoding="utf-8"?>
+<p:sld xmlns:a="http://schemas.openxmlformats.org/drawingml/2006/main" xmlns:r="http://schemas.openxmlformats.org/officeDocument/2006/relationships" xmlns:p="http://schemas.openxmlformats.org/presentationml/2006/main">
+  <p:cSld>
+    <p:spTree>
+      <p:nvGrpSpPr>
+        <p:cNvPr id="1" name=""/>
+        <p:cNvGrpSpPr/>
+        <p:nvPr/>
+      </p:nvGrpSpPr>
+      <p:grpSpPr>
+        <a:xfrm>
+          <a:off x="0" y="0"/>
+          <a:ext cx="0" cy="0"/>
+          <a:chOff x="0" y="0"/>
+          <a:chExt cx="0" cy="0"/>
+        </a:xfrm>
+      </p:grpSpPr>
+      <p:sp>
+        <p:nvSpPr>
+          <p:cNvPr id="2" name="Title 1">
+            <a:extLst>
+              <a:ext uri="{FF2B5EF4-FFF2-40B4-BE49-F238E27FC236}">
+                <a16:creationId xmlns:a16="http://schemas.microsoft.com/office/drawing/2014/main" id="{0292D7BF-094D-42F9-95B7-1397F045909C}"/>
+              </a:ext>
+            </a:extLst>
+          </p:cNvPr>
+          <p:cNvSpPr>
+            <a:spLocks noGrp="1"/>
+          </p:cNvSpPr>
+          <p:nvPr>
+            <p:ph type="title"/>
+          </p:nvPr>
+        </p:nvSpPr>
+        <p:spPr/>
+        <p:txBody>
+          <a:bodyPr/>
+          <a:lstStyle/>
+          <a:p>
+            <a:r>
+              <a:rPr lang="en-US" dirty="0"/>
+              <a:t>Credits</a:t>
+            </a:r>
+          </a:p>
+        </p:txBody>
+      </p:sp>
+      <p:sp>
+        <p:nvSpPr>
+          <p:cNvPr id="3" name="Content Placeholder 2">
+            <a:extLst>
+              <a:ext uri="{FF2B5EF4-FFF2-40B4-BE49-F238E27FC236}">
+                <a16:creationId xmlns:a16="http://schemas.microsoft.com/office/drawing/2014/main" id="{5615D116-A3D6-4901-B0BE-25C1239E4A7E}"/>
+              </a:ext>
+            </a:extLst>
+          </p:cNvPr>
+          <p:cNvSpPr>
+            <a:spLocks noGrp="1"/>
+          </p:cNvSpPr>
+          <p:nvPr>
+            <p:ph idx="1"/>
+          </p:nvPr>
+        </p:nvSpPr>
+        <p:spPr/>
+        <p:txBody>
+          <a:bodyPr/>
+          <a:lstStyle/>
+          <a:p>
+            <a:r>
+              <a:rPr lang="en-US" dirty="0"/>
+              <a:t>Many were adopted from C3SE introduction course</a:t>
+            </a:r>
+          </a:p>
+          <a:p>
+            <a:endParaRPr lang="en-US" dirty="0"/>
+          </a:p>
+        </p:txBody>
+      </p:sp>
+    </p:spTree>
+    <p:extLst>
+      <p:ext uri="{BB962C8B-B14F-4D97-AF65-F5344CB8AC3E}">
+        <p14:creationId xmlns:p14="http://schemas.microsoft.com/office/powerpoint/2010/main" val="2491796934"/>
       </p:ext>
     </p:extLst>
   </p:cSld>
@@ -12050,513 +11150,6 @@
       </p:par>
     </p:tnLst>
   </p:timing>
-</p:sld>
-</file>
-
-<file path=ppt/slides/slide30.xml><?xml version="1.0" encoding="utf-8"?>
-<p:sld xmlns:a="http://schemas.openxmlformats.org/drawingml/2006/main" xmlns:r="http://schemas.openxmlformats.org/officeDocument/2006/relationships" xmlns:p="http://schemas.openxmlformats.org/presentationml/2006/main">
-  <p:cSld>
-    <p:spTree>
-      <p:nvGrpSpPr>
-        <p:cNvPr id="1" name=""/>
-        <p:cNvGrpSpPr/>
-        <p:nvPr/>
-      </p:nvGrpSpPr>
-      <p:grpSpPr>
-        <a:xfrm>
-          <a:off x="0" y="0"/>
-          <a:ext cx="0" cy="0"/>
-          <a:chOff x="0" y="0"/>
-          <a:chExt cx="0" cy="0"/>
-        </a:xfrm>
-      </p:grpSpPr>
-      <p:sp>
-        <p:nvSpPr>
-          <p:cNvPr id="2" name="Title 1">
-            <a:extLst>
-              <a:ext uri="{FF2B5EF4-FFF2-40B4-BE49-F238E27FC236}">
-                <a16:creationId xmlns:a16="http://schemas.microsoft.com/office/drawing/2014/main" id="{F106FC69-F4F4-477D-9A5D-63B0AEB15A9F}"/>
-              </a:ext>
-            </a:extLst>
-          </p:cNvPr>
-          <p:cNvSpPr>
-            <a:spLocks noGrp="1"/>
-          </p:cNvSpPr>
-          <p:nvPr>
-            <p:ph type="title"/>
-          </p:nvPr>
-        </p:nvSpPr>
-        <p:spPr/>
-        <p:txBody>
-          <a:bodyPr/>
-          <a:lstStyle/>
-          <a:p>
-            <a:r>
-              <a:rPr lang="en-US" dirty="0"/>
-              <a:t>How to control your processes</a:t>
-            </a:r>
-          </a:p>
-        </p:txBody>
-      </p:sp>
-      <p:sp>
-        <p:nvSpPr>
-          <p:cNvPr id="5" name="Content Placeholder 4">
-            <a:extLst>
-              <a:ext uri="{FF2B5EF4-FFF2-40B4-BE49-F238E27FC236}">
-                <a16:creationId xmlns:a16="http://schemas.microsoft.com/office/drawing/2014/main" id="{962C4D9E-DB42-4E3B-B101-7A341F5DAC18}"/>
-              </a:ext>
-            </a:extLst>
-          </p:cNvPr>
-          <p:cNvSpPr>
-            <a:spLocks noGrp="1"/>
-          </p:cNvSpPr>
-          <p:nvPr>
-            <p:ph idx="1"/>
-          </p:nvPr>
-        </p:nvSpPr>
-        <p:spPr/>
-        <p:txBody>
-          <a:bodyPr>
-            <a:normAutofit fontScale="85000" lnSpcReduction="20000"/>
-          </a:bodyPr>
-          <a:lstStyle/>
-          <a:p>
-            <a:r>
-              <a:rPr lang="en-US" dirty="0"/>
-              <a:t>Foreground vs background</a:t>
-            </a:r>
-          </a:p>
-          <a:p>
-            <a:pPr lvl="1"/>
-            <a:r>
-              <a:rPr lang="en-US" dirty="0"/>
-              <a:t>Your jobs can be executed as background (multi-tasking)</a:t>
-            </a:r>
-          </a:p>
-          <a:p>
-            <a:pPr lvl="1"/>
-            <a:r>
-              <a:rPr lang="en-US" i="1" dirty="0"/>
-              <a:t>command</a:t>
-            </a:r>
-            <a:r>
-              <a:rPr lang="en-US" dirty="0"/>
-              <a:t> &amp; </a:t>
-            </a:r>
-            <a:r>
-              <a:rPr lang="en-US" dirty="0">
-                <a:sym typeface="Wingdings" panose="05000000000000000000" pitchFamily="2" charset="2"/>
-              </a:rPr>
-              <a:t> running command in background</a:t>
-            </a:r>
-          </a:p>
-          <a:p>
-            <a:pPr lvl="1"/>
-            <a:endParaRPr lang="en-US" dirty="0"/>
-          </a:p>
-          <a:p>
-            <a:r>
-              <a:rPr lang="en-US" dirty="0"/>
-              <a:t>Ctrl + C </a:t>
-            </a:r>
-            <a:r>
-              <a:rPr lang="en-US" dirty="0">
-                <a:sym typeface="Wingdings" panose="05000000000000000000" pitchFamily="2" charset="2"/>
-              </a:rPr>
-              <a:t> killing job in the foreground</a:t>
-            </a:r>
-          </a:p>
-          <a:p>
-            <a:r>
-              <a:rPr lang="en-US" dirty="0">
-                <a:sym typeface="Wingdings" panose="05000000000000000000" pitchFamily="2" charset="2"/>
-              </a:rPr>
-              <a:t>Ctrl + Z  suspending job running in the foreground</a:t>
-            </a:r>
-          </a:p>
-          <a:p>
-            <a:r>
-              <a:rPr lang="en-US" dirty="0" err="1">
-                <a:sym typeface="Wingdings" panose="05000000000000000000" pitchFamily="2" charset="2"/>
-              </a:rPr>
-              <a:t>bg</a:t>
-            </a:r>
-            <a:r>
-              <a:rPr lang="en-US" dirty="0">
-                <a:sym typeface="Wingdings" panose="05000000000000000000" pitchFamily="2" charset="2"/>
-              </a:rPr>
-              <a:t>  background the suspended job</a:t>
-            </a:r>
-          </a:p>
-          <a:p>
-            <a:r>
-              <a:rPr lang="en-US" dirty="0" err="1">
-                <a:sym typeface="Wingdings" panose="05000000000000000000" pitchFamily="2" charset="2"/>
-              </a:rPr>
-              <a:t>ps</a:t>
-            </a:r>
-            <a:r>
-              <a:rPr lang="en-US" dirty="0">
-                <a:sym typeface="Wingdings" panose="05000000000000000000" pitchFamily="2" charset="2"/>
-              </a:rPr>
-              <a:t>  list current processes</a:t>
-            </a:r>
-          </a:p>
-          <a:p>
-            <a:r>
-              <a:rPr lang="en-US" dirty="0">
-                <a:sym typeface="Wingdings" panose="05000000000000000000" pitchFamily="2" charset="2"/>
-              </a:rPr>
-              <a:t>jobs  list current jobs</a:t>
-            </a:r>
-          </a:p>
-          <a:p>
-            <a:r>
-              <a:rPr lang="en-US" dirty="0">
-                <a:sym typeface="Wingdings" panose="05000000000000000000" pitchFamily="2" charset="2"/>
-              </a:rPr>
-              <a:t>kill -9 1231  kill process number 1231</a:t>
-            </a:r>
-          </a:p>
-          <a:p>
-            <a:r>
-              <a:rPr lang="en-US" dirty="0">
-                <a:sym typeface="Wingdings" panose="05000000000000000000" pitchFamily="2" charset="2"/>
-              </a:rPr>
-              <a:t>kill %1  kill job number 1</a:t>
-            </a:r>
-          </a:p>
-          <a:p>
-            <a:r>
-              <a:rPr lang="en-US" dirty="0">
-                <a:sym typeface="Wingdings" panose="05000000000000000000" pitchFamily="2" charset="2"/>
-              </a:rPr>
-              <a:t>history  list commands you typed previously</a:t>
-            </a:r>
-          </a:p>
-        </p:txBody>
-      </p:sp>
-    </p:spTree>
-    <p:extLst>
-      <p:ext uri="{BB962C8B-B14F-4D97-AF65-F5344CB8AC3E}">
-        <p14:creationId xmlns:p14="http://schemas.microsoft.com/office/powerpoint/2010/main" val="3089053513"/>
-      </p:ext>
-    </p:extLst>
-  </p:cSld>
-  <p:clrMapOvr>
-    <a:masterClrMapping/>
-  </p:clrMapOvr>
-</p:sld>
-</file>
-
-<file path=ppt/slides/slide31.xml><?xml version="1.0" encoding="utf-8"?>
-<p:sld xmlns:a="http://schemas.openxmlformats.org/drawingml/2006/main" xmlns:r="http://schemas.openxmlformats.org/officeDocument/2006/relationships" xmlns:p="http://schemas.openxmlformats.org/presentationml/2006/main">
-  <p:cSld>
-    <p:spTree>
-      <p:nvGrpSpPr>
-        <p:cNvPr id="1" name=""/>
-        <p:cNvGrpSpPr/>
-        <p:nvPr/>
-      </p:nvGrpSpPr>
-      <p:grpSpPr>
-        <a:xfrm>
-          <a:off x="0" y="0"/>
-          <a:ext cx="0" cy="0"/>
-          <a:chOff x="0" y="0"/>
-          <a:chExt cx="0" cy="0"/>
-        </a:xfrm>
-      </p:grpSpPr>
-      <p:sp>
-        <p:nvSpPr>
-          <p:cNvPr id="2" name="Title 1">
-            <a:extLst>
-              <a:ext uri="{FF2B5EF4-FFF2-40B4-BE49-F238E27FC236}">
-                <a16:creationId xmlns:a16="http://schemas.microsoft.com/office/drawing/2014/main" id="{F106FC69-F4F4-477D-9A5D-63B0AEB15A9F}"/>
-              </a:ext>
-            </a:extLst>
-          </p:cNvPr>
-          <p:cNvSpPr>
-            <a:spLocks noGrp="1"/>
-          </p:cNvSpPr>
-          <p:nvPr>
-            <p:ph type="title"/>
-          </p:nvPr>
-        </p:nvSpPr>
-        <p:spPr/>
-        <p:txBody>
-          <a:bodyPr/>
-          <a:lstStyle/>
-          <a:p>
-            <a:r>
-              <a:rPr lang="en-US" dirty="0"/>
-              <a:t>How much resource are you using</a:t>
-            </a:r>
-          </a:p>
-        </p:txBody>
-      </p:sp>
-      <p:sp>
-        <p:nvSpPr>
-          <p:cNvPr id="3" name="Content Placeholder 2">
-            <a:extLst>
-              <a:ext uri="{FF2B5EF4-FFF2-40B4-BE49-F238E27FC236}">
-                <a16:creationId xmlns:a16="http://schemas.microsoft.com/office/drawing/2014/main" id="{F7FD468D-656B-48E1-90D6-5D651345DEDD}"/>
-              </a:ext>
-            </a:extLst>
-          </p:cNvPr>
-          <p:cNvSpPr>
-            <a:spLocks noGrp="1"/>
-          </p:cNvSpPr>
-          <p:nvPr>
-            <p:ph idx="1"/>
-          </p:nvPr>
-        </p:nvSpPr>
-        <p:spPr/>
-        <p:txBody>
-          <a:bodyPr/>
-          <a:lstStyle/>
-          <a:p>
-            <a:r>
-              <a:rPr lang="en-US" dirty="0"/>
-              <a:t>How much space you are using at Rosalind</a:t>
-            </a:r>
-          </a:p>
-          <a:p>
-            <a:pPr lvl="1"/>
-            <a:r>
-              <a:rPr lang="en-US" dirty="0" err="1"/>
-              <a:t>lfs</a:t>
-            </a:r>
-            <a:r>
-              <a:rPr lang="en-US" dirty="0"/>
-              <a:t> quota -h  /</a:t>
-            </a:r>
-            <a:r>
-              <a:rPr lang="en-US" dirty="0" err="1"/>
-              <a:t>mnt</a:t>
-            </a:r>
-            <a:r>
-              <a:rPr lang="en-US" dirty="0"/>
-              <a:t>/</a:t>
-            </a:r>
-            <a:r>
-              <a:rPr lang="en-US" dirty="0" err="1"/>
-              <a:t>lustre</a:t>
-            </a:r>
-            <a:endParaRPr lang="en-US" dirty="0"/>
-          </a:p>
-          <a:p>
-            <a:pPr lvl="1"/>
-            <a:endParaRPr lang="en-US" dirty="0"/>
-          </a:p>
-          <a:p>
-            <a:r>
-              <a:rPr lang="en-US" dirty="0"/>
-              <a:t>Which processes are running now</a:t>
-            </a:r>
-          </a:p>
-          <a:p>
-            <a:pPr lvl="1"/>
-            <a:r>
-              <a:rPr lang="en-US" dirty="0"/>
-              <a:t>top, </a:t>
-            </a:r>
-            <a:r>
-              <a:rPr lang="en-US" dirty="0" err="1"/>
-              <a:t>htop</a:t>
-            </a:r>
-            <a:r>
-              <a:rPr lang="en-US" dirty="0"/>
-              <a:t> (escaping by “q”)</a:t>
-            </a:r>
-          </a:p>
-          <a:p>
-            <a:pPr lvl="1"/>
-            <a:endParaRPr lang="en-US" dirty="0"/>
-          </a:p>
-        </p:txBody>
-      </p:sp>
-    </p:spTree>
-    <p:extLst>
-      <p:ext uri="{BB962C8B-B14F-4D97-AF65-F5344CB8AC3E}">
-        <p14:creationId xmlns:p14="http://schemas.microsoft.com/office/powerpoint/2010/main" val="4215418260"/>
-      </p:ext>
-    </p:extLst>
-  </p:cSld>
-  <p:clrMapOvr>
-    <a:masterClrMapping/>
-  </p:clrMapOvr>
-</p:sld>
-</file>
-
-<file path=ppt/slides/slide32.xml><?xml version="1.0" encoding="utf-8"?>
-<p:sld xmlns:a="http://schemas.openxmlformats.org/drawingml/2006/main" xmlns:r="http://schemas.openxmlformats.org/officeDocument/2006/relationships" xmlns:p="http://schemas.openxmlformats.org/presentationml/2006/main">
-  <p:cSld>
-    <p:spTree>
-      <p:nvGrpSpPr>
-        <p:cNvPr id="1" name=""/>
-        <p:cNvGrpSpPr/>
-        <p:nvPr/>
-      </p:nvGrpSpPr>
-      <p:grpSpPr>
-        <a:xfrm>
-          <a:off x="0" y="0"/>
-          <a:ext cx="0" cy="0"/>
-          <a:chOff x="0" y="0"/>
-          <a:chExt cx="0" cy="0"/>
-        </a:xfrm>
-      </p:grpSpPr>
-      <p:sp>
-        <p:nvSpPr>
-          <p:cNvPr id="2" name="Title 1">
-            <a:extLst>
-              <a:ext uri="{FF2B5EF4-FFF2-40B4-BE49-F238E27FC236}">
-                <a16:creationId xmlns:a16="http://schemas.microsoft.com/office/drawing/2014/main" id="{5C53331A-5529-DB46-99BB-A2B3D74A0A56}"/>
-              </a:ext>
-            </a:extLst>
-          </p:cNvPr>
-          <p:cNvSpPr>
-            <a:spLocks noGrp="1"/>
-          </p:cNvSpPr>
-          <p:nvPr>
-            <p:ph type="title"/>
-          </p:nvPr>
-        </p:nvSpPr>
-        <p:spPr/>
-        <p:txBody>
-          <a:bodyPr/>
-          <a:lstStyle/>
-          <a:p>
-            <a:r>
-              <a:rPr lang="en-GB" dirty="0"/>
-              <a:t>End of Day 1</a:t>
-            </a:r>
-          </a:p>
-        </p:txBody>
-      </p:sp>
-      <p:sp>
-        <p:nvSpPr>
-          <p:cNvPr id="3" name="Text Placeholder 2">
-            <a:extLst>
-              <a:ext uri="{FF2B5EF4-FFF2-40B4-BE49-F238E27FC236}">
-                <a16:creationId xmlns:a16="http://schemas.microsoft.com/office/drawing/2014/main" id="{8B6E645B-DCEE-CB47-B10B-16E6461BF79D}"/>
-              </a:ext>
-            </a:extLst>
-          </p:cNvPr>
-          <p:cNvSpPr>
-            <a:spLocks noGrp="1"/>
-          </p:cNvSpPr>
-          <p:nvPr>
-            <p:ph type="body" idx="1"/>
-          </p:nvPr>
-        </p:nvSpPr>
-        <p:spPr/>
-        <p:txBody>
-          <a:bodyPr/>
-          <a:lstStyle/>
-          <a:p>
-            <a:endParaRPr lang="en-GB"/>
-          </a:p>
-        </p:txBody>
-      </p:sp>
-    </p:spTree>
-    <p:extLst>
-      <p:ext uri="{BB962C8B-B14F-4D97-AF65-F5344CB8AC3E}">
-        <p14:creationId xmlns:p14="http://schemas.microsoft.com/office/powerpoint/2010/main" val="4265035943"/>
-      </p:ext>
-    </p:extLst>
-  </p:cSld>
-  <p:clrMapOvr>
-    <a:masterClrMapping/>
-  </p:clrMapOvr>
-</p:sld>
-</file>
-
-<file path=ppt/slides/slide33.xml><?xml version="1.0" encoding="utf-8"?>
-<p:sld xmlns:a="http://schemas.openxmlformats.org/drawingml/2006/main" xmlns:r="http://schemas.openxmlformats.org/officeDocument/2006/relationships" xmlns:p="http://schemas.openxmlformats.org/presentationml/2006/main">
-  <p:cSld>
-    <p:spTree>
-      <p:nvGrpSpPr>
-        <p:cNvPr id="1" name=""/>
-        <p:cNvGrpSpPr/>
-        <p:nvPr/>
-      </p:nvGrpSpPr>
-      <p:grpSpPr>
-        <a:xfrm>
-          <a:off x="0" y="0"/>
-          <a:ext cx="0" cy="0"/>
-          <a:chOff x="0" y="0"/>
-          <a:chExt cx="0" cy="0"/>
-        </a:xfrm>
-      </p:grpSpPr>
-      <p:sp>
-        <p:nvSpPr>
-          <p:cNvPr id="2" name="Title 1">
-            <a:extLst>
-              <a:ext uri="{FF2B5EF4-FFF2-40B4-BE49-F238E27FC236}">
-                <a16:creationId xmlns:a16="http://schemas.microsoft.com/office/drawing/2014/main" id="{0292D7BF-094D-42F9-95B7-1397F045909C}"/>
-              </a:ext>
-            </a:extLst>
-          </p:cNvPr>
-          <p:cNvSpPr>
-            <a:spLocks noGrp="1"/>
-          </p:cNvSpPr>
-          <p:nvPr>
-            <p:ph type="title"/>
-          </p:nvPr>
-        </p:nvSpPr>
-        <p:spPr/>
-        <p:txBody>
-          <a:bodyPr/>
-          <a:lstStyle/>
-          <a:p>
-            <a:r>
-              <a:rPr lang="en-US" dirty="0"/>
-              <a:t>Credits</a:t>
-            </a:r>
-          </a:p>
-        </p:txBody>
-      </p:sp>
-      <p:sp>
-        <p:nvSpPr>
-          <p:cNvPr id="3" name="Content Placeholder 2">
-            <a:extLst>
-              <a:ext uri="{FF2B5EF4-FFF2-40B4-BE49-F238E27FC236}">
-                <a16:creationId xmlns:a16="http://schemas.microsoft.com/office/drawing/2014/main" id="{5615D116-A3D6-4901-B0BE-25C1239E4A7E}"/>
-              </a:ext>
-            </a:extLst>
-          </p:cNvPr>
-          <p:cNvSpPr>
-            <a:spLocks noGrp="1"/>
-          </p:cNvSpPr>
-          <p:nvPr>
-            <p:ph idx="1"/>
-          </p:nvPr>
-        </p:nvSpPr>
-        <p:spPr/>
-        <p:txBody>
-          <a:bodyPr/>
-          <a:lstStyle/>
-          <a:p>
-            <a:r>
-              <a:rPr lang="en-US" dirty="0"/>
-              <a:t>Many were adopted from C3SE introduction course</a:t>
-            </a:r>
-          </a:p>
-          <a:p>
-            <a:endParaRPr lang="en-US" dirty="0"/>
-          </a:p>
-        </p:txBody>
-      </p:sp>
-    </p:spTree>
-    <p:extLst>
-      <p:ext uri="{BB962C8B-B14F-4D97-AF65-F5344CB8AC3E}">
-        <p14:creationId xmlns:p14="http://schemas.microsoft.com/office/powerpoint/2010/main" val="2491796934"/>
-      </p:ext>
-    </p:extLst>
-  </p:cSld>
-  <p:clrMapOvr>
-    <a:masterClrMapping/>
-  </p:clrMapOvr>
 </p:sld>
 </file>
 
